--- a/Assignment 2 (Document Ranking)/Report.pptx
+++ b/Assignment 2 (Document Ranking)/Report.pptx
@@ -11,6 +11,11 @@
     <p:sldId id="259" r:id="rId5"/>
     <p:sldId id="260" r:id="rId6"/>
     <p:sldId id="261" r:id="rId7"/>
+    <p:sldId id="262" r:id="rId8"/>
+    <p:sldId id="263" r:id="rId9"/>
+    <p:sldId id="264" r:id="rId10"/>
+    <p:sldId id="265" r:id="rId11"/>
+    <p:sldId id="266" r:id="rId12"/>
   </p:sldIdLst>
   <p:sldSz cx="12192000" cy="6858000"/>
   <p:notesSz cx="6858000" cy="9144000"/>
@@ -134,7 +139,7 @@
           <p:cNvPr id="2" name="Title 1">
             <a:extLst>
               <a:ext uri="{FF2B5EF4-FFF2-40B4-BE49-F238E27FC236}">
-                <a16:creationId xmlns:a16="http://schemas.microsoft.com/office/drawing/2014/main" id="{3D0406F7-52C0-C0DE-F50B-554F163C4073}"/>
+                <a16:creationId xmlns:a16="http://schemas.microsoft.com/office/drawing/2014/main" id="{D14F0E70-D926-AFD9-7BA8-5D9B8B8A97AD}"/>
               </a:ext>
             </a:extLst>
           </p:cNvPr>
@@ -171,7 +176,7 @@
           <p:cNvPr id="3" name="Subtitle 2">
             <a:extLst>
               <a:ext uri="{FF2B5EF4-FFF2-40B4-BE49-F238E27FC236}">
-                <a16:creationId xmlns:a16="http://schemas.microsoft.com/office/drawing/2014/main" id="{AB848E72-A5D2-E426-C825-0A1A5430B870}"/>
+                <a16:creationId xmlns:a16="http://schemas.microsoft.com/office/drawing/2014/main" id="{FD0FA6C3-5E88-CF4F-D6D4-64E812B1CF86}"/>
               </a:ext>
             </a:extLst>
           </p:cNvPr>
@@ -241,7 +246,7 @@
           <p:cNvPr id="4" name="Date Placeholder 3">
             <a:extLst>
               <a:ext uri="{FF2B5EF4-FFF2-40B4-BE49-F238E27FC236}">
-                <a16:creationId xmlns:a16="http://schemas.microsoft.com/office/drawing/2014/main" id="{877D1D9B-CC37-C47E-FDE6-01332A3E0933}"/>
+                <a16:creationId xmlns:a16="http://schemas.microsoft.com/office/drawing/2014/main" id="{C5E88388-F43A-E84B-E3CC-EF98D7211B56}"/>
               </a:ext>
             </a:extLst>
           </p:cNvPr>
@@ -257,9 +262,9 @@
           <a:bodyPr/>
           <a:lstStyle/>
           <a:p>
-            <a:fld id="{C5C41C5D-A139-4875-9124-ED39B237D1F1}" type="datetimeFigureOut">
+            <a:fld id="{B7B4F861-4A52-47E0-AAD1-4A1B418DBEDF}" type="datetimeFigureOut">
               <a:rPr lang="en-US" smtClean="0"/>
-              <a:t>11/26/2024</a:t>
+              <a:t>12/3/2024</a:t>
             </a:fld>
             <a:endParaRPr lang="en-US"/>
           </a:p>
@@ -270,7 +275,7 @@
           <p:cNvPr id="5" name="Footer Placeholder 4">
             <a:extLst>
               <a:ext uri="{FF2B5EF4-FFF2-40B4-BE49-F238E27FC236}">
-                <a16:creationId xmlns:a16="http://schemas.microsoft.com/office/drawing/2014/main" id="{1407ED49-7164-F28C-2394-017DABAEEF7D}"/>
+                <a16:creationId xmlns:a16="http://schemas.microsoft.com/office/drawing/2014/main" id="{CCCE56B6-FE4F-AEBD-EB03-DA60775EF054}"/>
               </a:ext>
             </a:extLst>
           </p:cNvPr>
@@ -295,7 +300,7 @@
           <p:cNvPr id="6" name="Slide Number Placeholder 5">
             <a:extLst>
               <a:ext uri="{FF2B5EF4-FFF2-40B4-BE49-F238E27FC236}">
-                <a16:creationId xmlns:a16="http://schemas.microsoft.com/office/drawing/2014/main" id="{2FE63A53-7B07-6058-7B53-0175DFCCDCE4}"/>
+                <a16:creationId xmlns:a16="http://schemas.microsoft.com/office/drawing/2014/main" id="{94403402-2512-2D31-A056-22CEB91727A4}"/>
               </a:ext>
             </a:extLst>
           </p:cNvPr>
@@ -311,7 +316,7 @@
           <a:bodyPr/>
           <a:lstStyle/>
           <a:p>
-            <a:fld id="{6BF15B6E-8F16-45A8-A093-D9CDCC4D98F6}" type="slidenum">
+            <a:fld id="{40F0D434-AAAA-4444-BFA2-F287AD651CB8}" type="slidenum">
               <a:rPr lang="en-US" smtClean="0"/>
               <a:t>‹#›</a:t>
             </a:fld>
@@ -322,7 +327,7 @@
     </p:spTree>
     <p:extLst>
       <p:ext uri="{BB962C8B-B14F-4D97-AF65-F5344CB8AC3E}">
-        <p14:creationId xmlns:p14="http://schemas.microsoft.com/office/powerpoint/2010/main" val="2532244556"/>
+        <p14:creationId xmlns:p14="http://schemas.microsoft.com/office/powerpoint/2010/main" val="2299201982"/>
       </p:ext>
     </p:extLst>
   </p:cSld>
@@ -354,7 +359,7 @@
           <p:cNvPr id="2" name="Title 1">
             <a:extLst>
               <a:ext uri="{FF2B5EF4-FFF2-40B4-BE49-F238E27FC236}">
-                <a16:creationId xmlns:a16="http://schemas.microsoft.com/office/drawing/2014/main" id="{3E5BD068-1DEA-9B54-2D15-2D893CBFE8D7}"/>
+                <a16:creationId xmlns:a16="http://schemas.microsoft.com/office/drawing/2014/main" id="{B3693615-0E61-B904-2FF0-FBB24BBDD842}"/>
               </a:ext>
             </a:extLst>
           </p:cNvPr>
@@ -382,7 +387,7 @@
           <p:cNvPr id="3" name="Vertical Text Placeholder 2">
             <a:extLst>
               <a:ext uri="{FF2B5EF4-FFF2-40B4-BE49-F238E27FC236}">
-                <a16:creationId xmlns:a16="http://schemas.microsoft.com/office/drawing/2014/main" id="{293F4237-52BF-96B2-BF0B-EFB810D5CEB8}"/>
+                <a16:creationId xmlns:a16="http://schemas.microsoft.com/office/drawing/2014/main" id="{F85840F9-2AE1-9CA7-D09E-1BE3634D2AEF}"/>
               </a:ext>
             </a:extLst>
           </p:cNvPr>
@@ -439,7 +444,7 @@
           <p:cNvPr id="4" name="Date Placeholder 3">
             <a:extLst>
               <a:ext uri="{FF2B5EF4-FFF2-40B4-BE49-F238E27FC236}">
-                <a16:creationId xmlns:a16="http://schemas.microsoft.com/office/drawing/2014/main" id="{008119F1-F5BD-6E83-CA24-D5EB0EB872BB}"/>
+                <a16:creationId xmlns:a16="http://schemas.microsoft.com/office/drawing/2014/main" id="{A670F3CC-32D9-3694-FCAE-388DFC4ADFFC}"/>
               </a:ext>
             </a:extLst>
           </p:cNvPr>
@@ -455,9 +460,9 @@
           <a:bodyPr/>
           <a:lstStyle/>
           <a:p>
-            <a:fld id="{C5C41C5D-A139-4875-9124-ED39B237D1F1}" type="datetimeFigureOut">
+            <a:fld id="{B7B4F861-4A52-47E0-AAD1-4A1B418DBEDF}" type="datetimeFigureOut">
               <a:rPr lang="en-US" smtClean="0"/>
-              <a:t>11/26/2024</a:t>
+              <a:t>12/3/2024</a:t>
             </a:fld>
             <a:endParaRPr lang="en-US"/>
           </a:p>
@@ -468,7 +473,7 @@
           <p:cNvPr id="5" name="Footer Placeholder 4">
             <a:extLst>
               <a:ext uri="{FF2B5EF4-FFF2-40B4-BE49-F238E27FC236}">
-                <a16:creationId xmlns:a16="http://schemas.microsoft.com/office/drawing/2014/main" id="{56AF6660-0389-504F-7864-BD95B644B207}"/>
+                <a16:creationId xmlns:a16="http://schemas.microsoft.com/office/drawing/2014/main" id="{2FADBF93-52AB-E93D-EDB2-C016A1EEEE6E}"/>
               </a:ext>
             </a:extLst>
           </p:cNvPr>
@@ -493,7 +498,7 @@
           <p:cNvPr id="6" name="Slide Number Placeholder 5">
             <a:extLst>
               <a:ext uri="{FF2B5EF4-FFF2-40B4-BE49-F238E27FC236}">
-                <a16:creationId xmlns:a16="http://schemas.microsoft.com/office/drawing/2014/main" id="{D74D8616-D198-37D8-E2C0-F7ACB5F5DECA}"/>
+                <a16:creationId xmlns:a16="http://schemas.microsoft.com/office/drawing/2014/main" id="{18D8CA99-1376-DC75-4614-AB7CAC658D21}"/>
               </a:ext>
             </a:extLst>
           </p:cNvPr>
@@ -509,7 +514,7 @@
           <a:bodyPr/>
           <a:lstStyle/>
           <a:p>
-            <a:fld id="{6BF15B6E-8F16-45A8-A093-D9CDCC4D98F6}" type="slidenum">
+            <a:fld id="{40F0D434-AAAA-4444-BFA2-F287AD651CB8}" type="slidenum">
               <a:rPr lang="en-US" smtClean="0"/>
               <a:t>‹#›</a:t>
             </a:fld>
@@ -520,7 +525,7 @@
     </p:spTree>
     <p:extLst>
       <p:ext uri="{BB962C8B-B14F-4D97-AF65-F5344CB8AC3E}">
-        <p14:creationId xmlns:p14="http://schemas.microsoft.com/office/powerpoint/2010/main" val="1593060841"/>
+        <p14:creationId xmlns:p14="http://schemas.microsoft.com/office/powerpoint/2010/main" val="2065095713"/>
       </p:ext>
     </p:extLst>
   </p:cSld>
@@ -552,7 +557,7 @@
           <p:cNvPr id="2" name="Vertical Title 1">
             <a:extLst>
               <a:ext uri="{FF2B5EF4-FFF2-40B4-BE49-F238E27FC236}">
-                <a16:creationId xmlns:a16="http://schemas.microsoft.com/office/drawing/2014/main" id="{1BCA372F-36F5-1151-6E18-846C55E4C87A}"/>
+                <a16:creationId xmlns:a16="http://schemas.microsoft.com/office/drawing/2014/main" id="{17C7D75D-5E54-3C28-9855-9A133093FB58}"/>
               </a:ext>
             </a:extLst>
           </p:cNvPr>
@@ -585,7 +590,7 @@
           <p:cNvPr id="3" name="Vertical Text Placeholder 2">
             <a:extLst>
               <a:ext uri="{FF2B5EF4-FFF2-40B4-BE49-F238E27FC236}">
-                <a16:creationId xmlns:a16="http://schemas.microsoft.com/office/drawing/2014/main" id="{19F12605-A8F8-ECCE-B3D9-421DA9FECC21}"/>
+                <a16:creationId xmlns:a16="http://schemas.microsoft.com/office/drawing/2014/main" id="{8A673C7D-DD16-3640-6732-5950C58DC4F5}"/>
               </a:ext>
             </a:extLst>
           </p:cNvPr>
@@ -647,7 +652,7 @@
           <p:cNvPr id="4" name="Date Placeholder 3">
             <a:extLst>
               <a:ext uri="{FF2B5EF4-FFF2-40B4-BE49-F238E27FC236}">
-                <a16:creationId xmlns:a16="http://schemas.microsoft.com/office/drawing/2014/main" id="{6BA8BF9C-3EAF-2464-12E6-C1F242223B41}"/>
+                <a16:creationId xmlns:a16="http://schemas.microsoft.com/office/drawing/2014/main" id="{34E1921D-08EA-511A-479E-71D8BF2A0C81}"/>
               </a:ext>
             </a:extLst>
           </p:cNvPr>
@@ -663,9 +668,9 @@
           <a:bodyPr/>
           <a:lstStyle/>
           <a:p>
-            <a:fld id="{C5C41C5D-A139-4875-9124-ED39B237D1F1}" type="datetimeFigureOut">
+            <a:fld id="{B7B4F861-4A52-47E0-AAD1-4A1B418DBEDF}" type="datetimeFigureOut">
               <a:rPr lang="en-US" smtClean="0"/>
-              <a:t>11/26/2024</a:t>
+              <a:t>12/3/2024</a:t>
             </a:fld>
             <a:endParaRPr lang="en-US"/>
           </a:p>
@@ -676,7 +681,7 @@
           <p:cNvPr id="5" name="Footer Placeholder 4">
             <a:extLst>
               <a:ext uri="{FF2B5EF4-FFF2-40B4-BE49-F238E27FC236}">
-                <a16:creationId xmlns:a16="http://schemas.microsoft.com/office/drawing/2014/main" id="{62496810-66A4-AA55-5023-7CB2B25F7FFF}"/>
+                <a16:creationId xmlns:a16="http://schemas.microsoft.com/office/drawing/2014/main" id="{B91E2685-8EBA-84F4-31EB-DF254EEBFAA4}"/>
               </a:ext>
             </a:extLst>
           </p:cNvPr>
@@ -701,7 +706,7 @@
           <p:cNvPr id="6" name="Slide Number Placeholder 5">
             <a:extLst>
               <a:ext uri="{FF2B5EF4-FFF2-40B4-BE49-F238E27FC236}">
-                <a16:creationId xmlns:a16="http://schemas.microsoft.com/office/drawing/2014/main" id="{FB5F94B8-2BDC-BD7E-D637-0002657A7969}"/>
+                <a16:creationId xmlns:a16="http://schemas.microsoft.com/office/drawing/2014/main" id="{9F97A2AD-1D88-AF4E-9B5F-F8505A257D6A}"/>
               </a:ext>
             </a:extLst>
           </p:cNvPr>
@@ -717,7 +722,7 @@
           <a:bodyPr/>
           <a:lstStyle/>
           <a:p>
-            <a:fld id="{6BF15B6E-8F16-45A8-A093-D9CDCC4D98F6}" type="slidenum">
+            <a:fld id="{40F0D434-AAAA-4444-BFA2-F287AD651CB8}" type="slidenum">
               <a:rPr lang="en-US" smtClean="0"/>
               <a:t>‹#›</a:t>
             </a:fld>
@@ -728,7 +733,7 @@
     </p:spTree>
     <p:extLst>
       <p:ext uri="{BB962C8B-B14F-4D97-AF65-F5344CB8AC3E}">
-        <p14:creationId xmlns:p14="http://schemas.microsoft.com/office/powerpoint/2010/main" val="3414625399"/>
+        <p14:creationId xmlns:p14="http://schemas.microsoft.com/office/powerpoint/2010/main" val="3315052516"/>
       </p:ext>
     </p:extLst>
   </p:cSld>
@@ -760,7 +765,7 @@
           <p:cNvPr id="2" name="Title 1">
             <a:extLst>
               <a:ext uri="{FF2B5EF4-FFF2-40B4-BE49-F238E27FC236}">
-                <a16:creationId xmlns:a16="http://schemas.microsoft.com/office/drawing/2014/main" id="{122EED59-B45B-B7E9-4A6C-84CF04848B66}"/>
+                <a16:creationId xmlns:a16="http://schemas.microsoft.com/office/drawing/2014/main" id="{B1091E59-F96E-AEFF-6543-F7BFC0A686A5}"/>
               </a:ext>
             </a:extLst>
           </p:cNvPr>
@@ -788,7 +793,7 @@
           <p:cNvPr id="3" name="Text Placeholder 2">
             <a:extLst>
               <a:ext uri="{FF2B5EF4-FFF2-40B4-BE49-F238E27FC236}">
-                <a16:creationId xmlns:a16="http://schemas.microsoft.com/office/drawing/2014/main" id="{3A808E4A-AEC9-B431-80B9-7308835006F8}"/>
+                <a16:creationId xmlns:a16="http://schemas.microsoft.com/office/drawing/2014/main" id="{CB7742FC-E249-0E90-2FB7-3D3632C2F536}"/>
               </a:ext>
             </a:extLst>
           </p:cNvPr>
@@ -845,7 +850,7 @@
           <p:cNvPr id="4" name="Date Placeholder 3">
             <a:extLst>
               <a:ext uri="{FF2B5EF4-FFF2-40B4-BE49-F238E27FC236}">
-                <a16:creationId xmlns:a16="http://schemas.microsoft.com/office/drawing/2014/main" id="{C4A5CB3F-67C1-11B5-6070-CAA2918DDC23}"/>
+                <a16:creationId xmlns:a16="http://schemas.microsoft.com/office/drawing/2014/main" id="{73DD960F-DFDE-64C7-AC6E-6E603B353E8A}"/>
               </a:ext>
             </a:extLst>
           </p:cNvPr>
@@ -861,9 +866,9 @@
           <a:bodyPr/>
           <a:lstStyle/>
           <a:p>
-            <a:fld id="{C5C41C5D-A139-4875-9124-ED39B237D1F1}" type="datetimeFigureOut">
+            <a:fld id="{B7B4F861-4A52-47E0-AAD1-4A1B418DBEDF}" type="datetimeFigureOut">
               <a:rPr lang="en-US" smtClean="0"/>
-              <a:t>11/26/2024</a:t>
+              <a:t>12/3/2024</a:t>
             </a:fld>
             <a:endParaRPr lang="en-US"/>
           </a:p>
@@ -874,7 +879,7 @@
           <p:cNvPr id="5" name="Footer Placeholder 4">
             <a:extLst>
               <a:ext uri="{FF2B5EF4-FFF2-40B4-BE49-F238E27FC236}">
-                <a16:creationId xmlns:a16="http://schemas.microsoft.com/office/drawing/2014/main" id="{C697E867-BFD7-E916-5403-AE63760F1BC5}"/>
+                <a16:creationId xmlns:a16="http://schemas.microsoft.com/office/drawing/2014/main" id="{2BDA54CC-C5DB-BD6F-B53F-83C5A31C7737}"/>
               </a:ext>
             </a:extLst>
           </p:cNvPr>
@@ -899,7 +904,7 @@
           <p:cNvPr id="6" name="Slide Number Placeholder 5">
             <a:extLst>
               <a:ext uri="{FF2B5EF4-FFF2-40B4-BE49-F238E27FC236}">
-                <a16:creationId xmlns:a16="http://schemas.microsoft.com/office/drawing/2014/main" id="{DCB1EC2B-D6AC-E395-E43F-6B49950CF631}"/>
+                <a16:creationId xmlns:a16="http://schemas.microsoft.com/office/drawing/2014/main" id="{3BABA1AB-1E49-B6E5-A174-DFD6087A2863}"/>
               </a:ext>
             </a:extLst>
           </p:cNvPr>
@@ -915,7 +920,7 @@
           <a:bodyPr/>
           <a:lstStyle/>
           <a:p>
-            <a:fld id="{6BF15B6E-8F16-45A8-A093-D9CDCC4D98F6}" type="slidenum">
+            <a:fld id="{40F0D434-AAAA-4444-BFA2-F287AD651CB8}" type="slidenum">
               <a:rPr lang="en-US" smtClean="0"/>
               <a:t>‹#›</a:t>
             </a:fld>
@@ -926,7 +931,7 @@
     </p:spTree>
     <p:extLst>
       <p:ext uri="{BB962C8B-B14F-4D97-AF65-F5344CB8AC3E}">
-        <p14:creationId xmlns:p14="http://schemas.microsoft.com/office/powerpoint/2010/main" val="2273190604"/>
+        <p14:creationId xmlns:p14="http://schemas.microsoft.com/office/powerpoint/2010/main" val="245074280"/>
       </p:ext>
     </p:extLst>
   </p:cSld>
@@ -958,7 +963,7 @@
           <p:cNvPr id="2" name="Title 1">
             <a:extLst>
               <a:ext uri="{FF2B5EF4-FFF2-40B4-BE49-F238E27FC236}">
-                <a16:creationId xmlns:a16="http://schemas.microsoft.com/office/drawing/2014/main" id="{EFF4CDEA-1611-1594-6AE4-BC69E0D65284}"/>
+                <a16:creationId xmlns:a16="http://schemas.microsoft.com/office/drawing/2014/main" id="{65A01198-4F01-0BDC-4FF5-5960ADCB3321}"/>
               </a:ext>
             </a:extLst>
           </p:cNvPr>
@@ -986,7 +991,7 @@
           <p:cNvPr id="3" name="Content Placeholder 2">
             <a:extLst>
               <a:ext uri="{FF2B5EF4-FFF2-40B4-BE49-F238E27FC236}">
-                <a16:creationId xmlns:a16="http://schemas.microsoft.com/office/drawing/2014/main" id="{ACF5AD58-70CD-2DAE-DB34-D68DE1C3AF9C}"/>
+                <a16:creationId xmlns:a16="http://schemas.microsoft.com/office/drawing/2014/main" id="{C5EB3FDD-15E4-8CA3-CA56-A88EF0A5B058}"/>
               </a:ext>
             </a:extLst>
           </p:cNvPr>
@@ -1043,7 +1048,7 @@
           <p:cNvPr id="4" name="Date Placeholder 3">
             <a:extLst>
               <a:ext uri="{FF2B5EF4-FFF2-40B4-BE49-F238E27FC236}">
-                <a16:creationId xmlns:a16="http://schemas.microsoft.com/office/drawing/2014/main" id="{9EED42E4-318F-C918-19CF-B0F81E630F98}"/>
+                <a16:creationId xmlns:a16="http://schemas.microsoft.com/office/drawing/2014/main" id="{FDBAEF79-72A3-FA75-D851-F58F4BBDE48F}"/>
               </a:ext>
             </a:extLst>
           </p:cNvPr>
@@ -1059,9 +1064,9 @@
           <a:bodyPr/>
           <a:lstStyle/>
           <a:p>
-            <a:fld id="{C5C41C5D-A139-4875-9124-ED39B237D1F1}" type="datetimeFigureOut">
+            <a:fld id="{B7B4F861-4A52-47E0-AAD1-4A1B418DBEDF}" type="datetimeFigureOut">
               <a:rPr lang="en-US" smtClean="0"/>
-              <a:t>11/26/2024</a:t>
+              <a:t>12/3/2024</a:t>
             </a:fld>
             <a:endParaRPr lang="en-US"/>
           </a:p>
@@ -1072,7 +1077,7 @@
           <p:cNvPr id="5" name="Footer Placeholder 4">
             <a:extLst>
               <a:ext uri="{FF2B5EF4-FFF2-40B4-BE49-F238E27FC236}">
-                <a16:creationId xmlns:a16="http://schemas.microsoft.com/office/drawing/2014/main" id="{28327A65-8B81-0575-5976-81DBB7EEFEF7}"/>
+                <a16:creationId xmlns:a16="http://schemas.microsoft.com/office/drawing/2014/main" id="{A77B128A-BF8D-B325-5766-F21665B9F37B}"/>
               </a:ext>
             </a:extLst>
           </p:cNvPr>
@@ -1097,7 +1102,7 @@
           <p:cNvPr id="6" name="Slide Number Placeholder 5">
             <a:extLst>
               <a:ext uri="{FF2B5EF4-FFF2-40B4-BE49-F238E27FC236}">
-                <a16:creationId xmlns:a16="http://schemas.microsoft.com/office/drawing/2014/main" id="{7B6A731E-AD64-BE69-BCD2-6417DB08BE48}"/>
+                <a16:creationId xmlns:a16="http://schemas.microsoft.com/office/drawing/2014/main" id="{7E595D7A-5C2D-B79A-735F-534C02BB11A6}"/>
               </a:ext>
             </a:extLst>
           </p:cNvPr>
@@ -1113,7 +1118,7 @@
           <a:bodyPr/>
           <a:lstStyle/>
           <a:p>
-            <a:fld id="{6BF15B6E-8F16-45A8-A093-D9CDCC4D98F6}" type="slidenum">
+            <a:fld id="{40F0D434-AAAA-4444-BFA2-F287AD651CB8}" type="slidenum">
               <a:rPr lang="en-US" smtClean="0"/>
               <a:t>‹#›</a:t>
             </a:fld>
@@ -1124,7 +1129,7 @@
     </p:spTree>
     <p:extLst>
       <p:ext uri="{BB962C8B-B14F-4D97-AF65-F5344CB8AC3E}">
-        <p14:creationId xmlns:p14="http://schemas.microsoft.com/office/powerpoint/2010/main" val="3558062614"/>
+        <p14:creationId xmlns:p14="http://schemas.microsoft.com/office/powerpoint/2010/main" val="480924430"/>
       </p:ext>
     </p:extLst>
   </p:cSld>
@@ -1156,7 +1161,7 @@
           <p:cNvPr id="2" name="Title 1">
             <a:extLst>
               <a:ext uri="{FF2B5EF4-FFF2-40B4-BE49-F238E27FC236}">
-                <a16:creationId xmlns:a16="http://schemas.microsoft.com/office/drawing/2014/main" id="{7F7E0C63-4FCF-8A76-7E2E-602E65C66C2D}"/>
+                <a16:creationId xmlns:a16="http://schemas.microsoft.com/office/drawing/2014/main" id="{4486EE70-156E-A690-D495-CEE0AEC7D7C7}"/>
               </a:ext>
             </a:extLst>
           </p:cNvPr>
@@ -1193,7 +1198,7 @@
           <p:cNvPr id="3" name="Text Placeholder 2">
             <a:extLst>
               <a:ext uri="{FF2B5EF4-FFF2-40B4-BE49-F238E27FC236}">
-                <a16:creationId xmlns:a16="http://schemas.microsoft.com/office/drawing/2014/main" id="{D7963CA1-B414-88A0-C118-FA258652E03C}"/>
+                <a16:creationId xmlns:a16="http://schemas.microsoft.com/office/drawing/2014/main" id="{746AA0E4-2949-A9D7-5A4A-AE04C81E11B4}"/>
               </a:ext>
             </a:extLst>
           </p:cNvPr>
@@ -1318,7 +1323,7 @@
           <p:cNvPr id="4" name="Date Placeholder 3">
             <a:extLst>
               <a:ext uri="{FF2B5EF4-FFF2-40B4-BE49-F238E27FC236}">
-                <a16:creationId xmlns:a16="http://schemas.microsoft.com/office/drawing/2014/main" id="{5F7B453C-2043-6AD8-8643-A10C914E1DB1}"/>
+                <a16:creationId xmlns:a16="http://schemas.microsoft.com/office/drawing/2014/main" id="{0896A96F-B676-86E4-5EC8-9EDA7F2C6956}"/>
               </a:ext>
             </a:extLst>
           </p:cNvPr>
@@ -1334,9 +1339,9 @@
           <a:bodyPr/>
           <a:lstStyle/>
           <a:p>
-            <a:fld id="{C5C41C5D-A139-4875-9124-ED39B237D1F1}" type="datetimeFigureOut">
+            <a:fld id="{B7B4F861-4A52-47E0-AAD1-4A1B418DBEDF}" type="datetimeFigureOut">
               <a:rPr lang="en-US" smtClean="0"/>
-              <a:t>11/26/2024</a:t>
+              <a:t>12/3/2024</a:t>
             </a:fld>
             <a:endParaRPr lang="en-US"/>
           </a:p>
@@ -1347,7 +1352,7 @@
           <p:cNvPr id="5" name="Footer Placeholder 4">
             <a:extLst>
               <a:ext uri="{FF2B5EF4-FFF2-40B4-BE49-F238E27FC236}">
-                <a16:creationId xmlns:a16="http://schemas.microsoft.com/office/drawing/2014/main" id="{3D06BD2C-1C50-2B41-9788-1C0479836BF4}"/>
+                <a16:creationId xmlns:a16="http://schemas.microsoft.com/office/drawing/2014/main" id="{1101839E-72EB-A984-7381-2FFF00D76C90}"/>
               </a:ext>
             </a:extLst>
           </p:cNvPr>
@@ -1372,7 +1377,7 @@
           <p:cNvPr id="6" name="Slide Number Placeholder 5">
             <a:extLst>
               <a:ext uri="{FF2B5EF4-FFF2-40B4-BE49-F238E27FC236}">
-                <a16:creationId xmlns:a16="http://schemas.microsoft.com/office/drawing/2014/main" id="{CB672EF6-6E35-F6B7-FEA4-16C06218EE78}"/>
+                <a16:creationId xmlns:a16="http://schemas.microsoft.com/office/drawing/2014/main" id="{8067B386-F7E5-BD34-546B-2C40939F39BF}"/>
               </a:ext>
             </a:extLst>
           </p:cNvPr>
@@ -1388,7 +1393,7 @@
           <a:bodyPr/>
           <a:lstStyle/>
           <a:p>
-            <a:fld id="{6BF15B6E-8F16-45A8-A093-D9CDCC4D98F6}" type="slidenum">
+            <a:fld id="{40F0D434-AAAA-4444-BFA2-F287AD651CB8}" type="slidenum">
               <a:rPr lang="en-US" smtClean="0"/>
               <a:t>‹#›</a:t>
             </a:fld>
@@ -1399,7 +1404,7 @@
     </p:spTree>
     <p:extLst>
       <p:ext uri="{BB962C8B-B14F-4D97-AF65-F5344CB8AC3E}">
-        <p14:creationId xmlns:p14="http://schemas.microsoft.com/office/powerpoint/2010/main" val="2016461028"/>
+        <p14:creationId xmlns:p14="http://schemas.microsoft.com/office/powerpoint/2010/main" val="2804433391"/>
       </p:ext>
     </p:extLst>
   </p:cSld>
@@ -1431,7 +1436,7 @@
           <p:cNvPr id="2" name="Title 1">
             <a:extLst>
               <a:ext uri="{FF2B5EF4-FFF2-40B4-BE49-F238E27FC236}">
-                <a16:creationId xmlns:a16="http://schemas.microsoft.com/office/drawing/2014/main" id="{290A503E-F358-ACC4-B2E6-4B4EA867C5FE}"/>
+                <a16:creationId xmlns:a16="http://schemas.microsoft.com/office/drawing/2014/main" id="{8F729FA5-6688-2659-2FAB-BD1BC96D24A7}"/>
               </a:ext>
             </a:extLst>
           </p:cNvPr>
@@ -1459,7 +1464,7 @@
           <p:cNvPr id="3" name="Content Placeholder 2">
             <a:extLst>
               <a:ext uri="{FF2B5EF4-FFF2-40B4-BE49-F238E27FC236}">
-                <a16:creationId xmlns:a16="http://schemas.microsoft.com/office/drawing/2014/main" id="{6E16BCCA-E93D-2F96-70D8-BC61301E23AB}"/>
+                <a16:creationId xmlns:a16="http://schemas.microsoft.com/office/drawing/2014/main" id="{008760B9-AD85-46DC-94E2-D4F1B13264D0}"/>
               </a:ext>
             </a:extLst>
           </p:cNvPr>
@@ -1521,7 +1526,7 @@
           <p:cNvPr id="4" name="Content Placeholder 3">
             <a:extLst>
               <a:ext uri="{FF2B5EF4-FFF2-40B4-BE49-F238E27FC236}">
-                <a16:creationId xmlns:a16="http://schemas.microsoft.com/office/drawing/2014/main" id="{1C105DCF-66E6-06A7-BB32-FF4DC987C7C9}"/>
+                <a16:creationId xmlns:a16="http://schemas.microsoft.com/office/drawing/2014/main" id="{7C0E5075-21E7-6649-FC5A-BA0A3EFD9BA3}"/>
               </a:ext>
             </a:extLst>
           </p:cNvPr>
@@ -1583,7 +1588,7 @@
           <p:cNvPr id="5" name="Date Placeholder 4">
             <a:extLst>
               <a:ext uri="{FF2B5EF4-FFF2-40B4-BE49-F238E27FC236}">
-                <a16:creationId xmlns:a16="http://schemas.microsoft.com/office/drawing/2014/main" id="{3555B962-26FC-1D5B-BC7E-974EBF092A43}"/>
+                <a16:creationId xmlns:a16="http://schemas.microsoft.com/office/drawing/2014/main" id="{289EB951-336B-454E-1464-E55496DCC0A1}"/>
               </a:ext>
             </a:extLst>
           </p:cNvPr>
@@ -1599,9 +1604,9 @@
           <a:bodyPr/>
           <a:lstStyle/>
           <a:p>
-            <a:fld id="{C5C41C5D-A139-4875-9124-ED39B237D1F1}" type="datetimeFigureOut">
+            <a:fld id="{B7B4F861-4A52-47E0-AAD1-4A1B418DBEDF}" type="datetimeFigureOut">
               <a:rPr lang="en-US" smtClean="0"/>
-              <a:t>11/26/2024</a:t>
+              <a:t>12/3/2024</a:t>
             </a:fld>
             <a:endParaRPr lang="en-US"/>
           </a:p>
@@ -1612,7 +1617,7 @@
           <p:cNvPr id="6" name="Footer Placeholder 5">
             <a:extLst>
               <a:ext uri="{FF2B5EF4-FFF2-40B4-BE49-F238E27FC236}">
-                <a16:creationId xmlns:a16="http://schemas.microsoft.com/office/drawing/2014/main" id="{50D933B2-1B56-445E-B28C-747937EB06B7}"/>
+                <a16:creationId xmlns:a16="http://schemas.microsoft.com/office/drawing/2014/main" id="{A22AA203-AACA-C1D8-A0B1-9935AFD9E734}"/>
               </a:ext>
             </a:extLst>
           </p:cNvPr>
@@ -1637,7 +1642,7 @@
           <p:cNvPr id="7" name="Slide Number Placeholder 6">
             <a:extLst>
               <a:ext uri="{FF2B5EF4-FFF2-40B4-BE49-F238E27FC236}">
-                <a16:creationId xmlns:a16="http://schemas.microsoft.com/office/drawing/2014/main" id="{925F6EFA-64F8-AEC5-7C14-7AA7CC070D29}"/>
+                <a16:creationId xmlns:a16="http://schemas.microsoft.com/office/drawing/2014/main" id="{423A0E1F-B9B3-FF26-145F-DFE5BA9FAAED}"/>
               </a:ext>
             </a:extLst>
           </p:cNvPr>
@@ -1653,7 +1658,7 @@
           <a:bodyPr/>
           <a:lstStyle/>
           <a:p>
-            <a:fld id="{6BF15B6E-8F16-45A8-A093-D9CDCC4D98F6}" type="slidenum">
+            <a:fld id="{40F0D434-AAAA-4444-BFA2-F287AD651CB8}" type="slidenum">
               <a:rPr lang="en-US" smtClean="0"/>
               <a:t>‹#›</a:t>
             </a:fld>
@@ -1664,7 +1669,7 @@
     </p:spTree>
     <p:extLst>
       <p:ext uri="{BB962C8B-B14F-4D97-AF65-F5344CB8AC3E}">
-        <p14:creationId xmlns:p14="http://schemas.microsoft.com/office/powerpoint/2010/main" val="235674344"/>
+        <p14:creationId xmlns:p14="http://schemas.microsoft.com/office/powerpoint/2010/main" val="3156211041"/>
       </p:ext>
     </p:extLst>
   </p:cSld>
@@ -1696,7 +1701,7 @@
           <p:cNvPr id="2" name="Title 1">
             <a:extLst>
               <a:ext uri="{FF2B5EF4-FFF2-40B4-BE49-F238E27FC236}">
-                <a16:creationId xmlns:a16="http://schemas.microsoft.com/office/drawing/2014/main" id="{BC9EED0E-5804-60DC-44FA-D547548440F9}"/>
+                <a16:creationId xmlns:a16="http://schemas.microsoft.com/office/drawing/2014/main" id="{3C56F348-F046-1AE9-7DB5-0F7332A40AEE}"/>
               </a:ext>
             </a:extLst>
           </p:cNvPr>
@@ -1729,7 +1734,7 @@
           <p:cNvPr id="3" name="Text Placeholder 2">
             <a:extLst>
               <a:ext uri="{FF2B5EF4-FFF2-40B4-BE49-F238E27FC236}">
-                <a16:creationId xmlns:a16="http://schemas.microsoft.com/office/drawing/2014/main" id="{48DB8842-6655-97D7-A020-DBFDD5ECAF39}"/>
+                <a16:creationId xmlns:a16="http://schemas.microsoft.com/office/drawing/2014/main" id="{719BBA2D-5D1F-C47A-C34C-D84AE92873A8}"/>
               </a:ext>
             </a:extLst>
           </p:cNvPr>
@@ -1800,7 +1805,7 @@
           <p:cNvPr id="4" name="Content Placeholder 3">
             <a:extLst>
               <a:ext uri="{FF2B5EF4-FFF2-40B4-BE49-F238E27FC236}">
-                <a16:creationId xmlns:a16="http://schemas.microsoft.com/office/drawing/2014/main" id="{853D28E0-ABE1-3CFA-7E3F-5019A685993A}"/>
+                <a16:creationId xmlns:a16="http://schemas.microsoft.com/office/drawing/2014/main" id="{55251E44-05C0-1FC6-7C15-D60C55318608}"/>
               </a:ext>
             </a:extLst>
           </p:cNvPr>
@@ -1862,7 +1867,7 @@
           <p:cNvPr id="5" name="Text Placeholder 4">
             <a:extLst>
               <a:ext uri="{FF2B5EF4-FFF2-40B4-BE49-F238E27FC236}">
-                <a16:creationId xmlns:a16="http://schemas.microsoft.com/office/drawing/2014/main" id="{4A036746-6E99-BB7B-8ACA-33494B22EEEA}"/>
+                <a16:creationId xmlns:a16="http://schemas.microsoft.com/office/drawing/2014/main" id="{B39435B9-8DFF-0794-A322-1DFAA2988F5B}"/>
               </a:ext>
             </a:extLst>
           </p:cNvPr>
@@ -1933,7 +1938,7 @@
           <p:cNvPr id="6" name="Content Placeholder 5">
             <a:extLst>
               <a:ext uri="{FF2B5EF4-FFF2-40B4-BE49-F238E27FC236}">
-                <a16:creationId xmlns:a16="http://schemas.microsoft.com/office/drawing/2014/main" id="{DD4BF89F-2516-10D6-048D-159C9596F6C0}"/>
+                <a16:creationId xmlns:a16="http://schemas.microsoft.com/office/drawing/2014/main" id="{EAC73C9F-9BF2-CE8E-3A5E-C0E2E937BB9A}"/>
               </a:ext>
             </a:extLst>
           </p:cNvPr>
@@ -1995,7 +2000,7 @@
           <p:cNvPr id="7" name="Date Placeholder 6">
             <a:extLst>
               <a:ext uri="{FF2B5EF4-FFF2-40B4-BE49-F238E27FC236}">
-                <a16:creationId xmlns:a16="http://schemas.microsoft.com/office/drawing/2014/main" id="{CF173D8B-401B-7C14-69D8-105B619E43C0}"/>
+                <a16:creationId xmlns:a16="http://schemas.microsoft.com/office/drawing/2014/main" id="{208BF3DC-81DC-90EB-4FBD-DB987791AC42}"/>
               </a:ext>
             </a:extLst>
           </p:cNvPr>
@@ -2011,9 +2016,9 @@
           <a:bodyPr/>
           <a:lstStyle/>
           <a:p>
-            <a:fld id="{C5C41C5D-A139-4875-9124-ED39B237D1F1}" type="datetimeFigureOut">
+            <a:fld id="{B7B4F861-4A52-47E0-AAD1-4A1B418DBEDF}" type="datetimeFigureOut">
               <a:rPr lang="en-US" smtClean="0"/>
-              <a:t>11/26/2024</a:t>
+              <a:t>12/3/2024</a:t>
             </a:fld>
             <a:endParaRPr lang="en-US"/>
           </a:p>
@@ -2024,7 +2029,7 @@
           <p:cNvPr id="8" name="Footer Placeholder 7">
             <a:extLst>
               <a:ext uri="{FF2B5EF4-FFF2-40B4-BE49-F238E27FC236}">
-                <a16:creationId xmlns:a16="http://schemas.microsoft.com/office/drawing/2014/main" id="{D2E4E4D5-0268-9800-7F57-F43537CFE1DD}"/>
+                <a16:creationId xmlns:a16="http://schemas.microsoft.com/office/drawing/2014/main" id="{BA91A9BB-7CF9-90C1-613D-5CD56A551501}"/>
               </a:ext>
             </a:extLst>
           </p:cNvPr>
@@ -2049,7 +2054,7 @@
           <p:cNvPr id="9" name="Slide Number Placeholder 8">
             <a:extLst>
               <a:ext uri="{FF2B5EF4-FFF2-40B4-BE49-F238E27FC236}">
-                <a16:creationId xmlns:a16="http://schemas.microsoft.com/office/drawing/2014/main" id="{75C69E5A-D947-46CC-0FB2-FA4F8E8A36C6}"/>
+                <a16:creationId xmlns:a16="http://schemas.microsoft.com/office/drawing/2014/main" id="{E460A251-4E04-4F37-67A5-7D63472737A6}"/>
               </a:ext>
             </a:extLst>
           </p:cNvPr>
@@ -2065,7 +2070,7 @@
           <a:bodyPr/>
           <a:lstStyle/>
           <a:p>
-            <a:fld id="{6BF15B6E-8F16-45A8-A093-D9CDCC4D98F6}" type="slidenum">
+            <a:fld id="{40F0D434-AAAA-4444-BFA2-F287AD651CB8}" type="slidenum">
               <a:rPr lang="en-US" smtClean="0"/>
               <a:t>‹#›</a:t>
             </a:fld>
@@ -2076,7 +2081,7 @@
     </p:spTree>
     <p:extLst>
       <p:ext uri="{BB962C8B-B14F-4D97-AF65-F5344CB8AC3E}">
-        <p14:creationId xmlns:p14="http://schemas.microsoft.com/office/powerpoint/2010/main" val="3379049283"/>
+        <p14:creationId xmlns:p14="http://schemas.microsoft.com/office/powerpoint/2010/main" val="896071095"/>
       </p:ext>
     </p:extLst>
   </p:cSld>
@@ -2108,7 +2113,7 @@
           <p:cNvPr id="2" name="Title 1">
             <a:extLst>
               <a:ext uri="{FF2B5EF4-FFF2-40B4-BE49-F238E27FC236}">
-                <a16:creationId xmlns:a16="http://schemas.microsoft.com/office/drawing/2014/main" id="{83399BCF-6626-0E8F-233A-6EF11C7EB68E}"/>
+                <a16:creationId xmlns:a16="http://schemas.microsoft.com/office/drawing/2014/main" id="{BB3FB0F6-D952-487F-2FFD-089189752888}"/>
               </a:ext>
             </a:extLst>
           </p:cNvPr>
@@ -2136,7 +2141,7 @@
           <p:cNvPr id="3" name="Date Placeholder 2">
             <a:extLst>
               <a:ext uri="{FF2B5EF4-FFF2-40B4-BE49-F238E27FC236}">
-                <a16:creationId xmlns:a16="http://schemas.microsoft.com/office/drawing/2014/main" id="{338903D2-6BE1-C05C-09EF-09054F8706B9}"/>
+                <a16:creationId xmlns:a16="http://schemas.microsoft.com/office/drawing/2014/main" id="{53425299-611D-21A0-BCE6-C03A048BBABB}"/>
               </a:ext>
             </a:extLst>
           </p:cNvPr>
@@ -2152,9 +2157,9 @@
           <a:bodyPr/>
           <a:lstStyle/>
           <a:p>
-            <a:fld id="{C5C41C5D-A139-4875-9124-ED39B237D1F1}" type="datetimeFigureOut">
+            <a:fld id="{B7B4F861-4A52-47E0-AAD1-4A1B418DBEDF}" type="datetimeFigureOut">
               <a:rPr lang="en-US" smtClean="0"/>
-              <a:t>11/26/2024</a:t>
+              <a:t>12/3/2024</a:t>
             </a:fld>
             <a:endParaRPr lang="en-US"/>
           </a:p>
@@ -2165,7 +2170,7 @@
           <p:cNvPr id="4" name="Footer Placeholder 3">
             <a:extLst>
               <a:ext uri="{FF2B5EF4-FFF2-40B4-BE49-F238E27FC236}">
-                <a16:creationId xmlns:a16="http://schemas.microsoft.com/office/drawing/2014/main" id="{513A712B-9E07-3EA3-AD89-C9F25EEB8602}"/>
+                <a16:creationId xmlns:a16="http://schemas.microsoft.com/office/drawing/2014/main" id="{E44DD137-0D27-D2A1-9D47-17D6E4527872}"/>
               </a:ext>
             </a:extLst>
           </p:cNvPr>
@@ -2190,7 +2195,7 @@
           <p:cNvPr id="5" name="Slide Number Placeholder 4">
             <a:extLst>
               <a:ext uri="{FF2B5EF4-FFF2-40B4-BE49-F238E27FC236}">
-                <a16:creationId xmlns:a16="http://schemas.microsoft.com/office/drawing/2014/main" id="{64228506-2329-A865-0286-6F8FA127C8AB}"/>
+                <a16:creationId xmlns:a16="http://schemas.microsoft.com/office/drawing/2014/main" id="{DD6C577C-2484-84ED-F0CE-345171CCCD7B}"/>
               </a:ext>
             </a:extLst>
           </p:cNvPr>
@@ -2206,7 +2211,7 @@
           <a:bodyPr/>
           <a:lstStyle/>
           <a:p>
-            <a:fld id="{6BF15B6E-8F16-45A8-A093-D9CDCC4D98F6}" type="slidenum">
+            <a:fld id="{40F0D434-AAAA-4444-BFA2-F287AD651CB8}" type="slidenum">
               <a:rPr lang="en-US" smtClean="0"/>
               <a:t>‹#›</a:t>
             </a:fld>
@@ -2217,7 +2222,7 @@
     </p:spTree>
     <p:extLst>
       <p:ext uri="{BB962C8B-B14F-4D97-AF65-F5344CB8AC3E}">
-        <p14:creationId xmlns:p14="http://schemas.microsoft.com/office/powerpoint/2010/main" val="1413314276"/>
+        <p14:creationId xmlns:p14="http://schemas.microsoft.com/office/powerpoint/2010/main" val="3417760738"/>
       </p:ext>
     </p:extLst>
   </p:cSld>
@@ -2249,7 +2254,7 @@
           <p:cNvPr id="2" name="Date Placeholder 1">
             <a:extLst>
               <a:ext uri="{FF2B5EF4-FFF2-40B4-BE49-F238E27FC236}">
-                <a16:creationId xmlns:a16="http://schemas.microsoft.com/office/drawing/2014/main" id="{6247FFB5-71F6-02EF-7E9F-D192B552717F}"/>
+                <a16:creationId xmlns:a16="http://schemas.microsoft.com/office/drawing/2014/main" id="{B027CBD2-0245-AE60-702A-0B8DDEFECAAC}"/>
               </a:ext>
             </a:extLst>
           </p:cNvPr>
@@ -2265,9 +2270,9 @@
           <a:bodyPr/>
           <a:lstStyle/>
           <a:p>
-            <a:fld id="{C5C41C5D-A139-4875-9124-ED39B237D1F1}" type="datetimeFigureOut">
+            <a:fld id="{B7B4F861-4A52-47E0-AAD1-4A1B418DBEDF}" type="datetimeFigureOut">
               <a:rPr lang="en-US" smtClean="0"/>
-              <a:t>11/26/2024</a:t>
+              <a:t>12/3/2024</a:t>
             </a:fld>
             <a:endParaRPr lang="en-US"/>
           </a:p>
@@ -2278,7 +2283,7 @@
           <p:cNvPr id="3" name="Footer Placeholder 2">
             <a:extLst>
               <a:ext uri="{FF2B5EF4-FFF2-40B4-BE49-F238E27FC236}">
-                <a16:creationId xmlns:a16="http://schemas.microsoft.com/office/drawing/2014/main" id="{67435342-CF1E-B984-D524-648F332A7FC6}"/>
+                <a16:creationId xmlns:a16="http://schemas.microsoft.com/office/drawing/2014/main" id="{617BC825-C4AA-BE1B-B9C4-679CE6628621}"/>
               </a:ext>
             </a:extLst>
           </p:cNvPr>
@@ -2303,7 +2308,7 @@
           <p:cNvPr id="4" name="Slide Number Placeholder 3">
             <a:extLst>
               <a:ext uri="{FF2B5EF4-FFF2-40B4-BE49-F238E27FC236}">
-                <a16:creationId xmlns:a16="http://schemas.microsoft.com/office/drawing/2014/main" id="{8F4E81EC-A3B9-787A-95BE-B538CE627E54}"/>
+                <a16:creationId xmlns:a16="http://schemas.microsoft.com/office/drawing/2014/main" id="{84EBEB1E-C96F-29E5-C0D6-B8944B3B9BA4}"/>
               </a:ext>
             </a:extLst>
           </p:cNvPr>
@@ -2319,7 +2324,7 @@
           <a:bodyPr/>
           <a:lstStyle/>
           <a:p>
-            <a:fld id="{6BF15B6E-8F16-45A8-A093-D9CDCC4D98F6}" type="slidenum">
+            <a:fld id="{40F0D434-AAAA-4444-BFA2-F287AD651CB8}" type="slidenum">
               <a:rPr lang="en-US" smtClean="0"/>
               <a:t>‹#›</a:t>
             </a:fld>
@@ -2330,7 +2335,7 @@
     </p:spTree>
     <p:extLst>
       <p:ext uri="{BB962C8B-B14F-4D97-AF65-F5344CB8AC3E}">
-        <p14:creationId xmlns:p14="http://schemas.microsoft.com/office/powerpoint/2010/main" val="2967411499"/>
+        <p14:creationId xmlns:p14="http://schemas.microsoft.com/office/powerpoint/2010/main" val="4290781882"/>
       </p:ext>
     </p:extLst>
   </p:cSld>
@@ -2362,7 +2367,7 @@
           <p:cNvPr id="2" name="Title 1">
             <a:extLst>
               <a:ext uri="{FF2B5EF4-FFF2-40B4-BE49-F238E27FC236}">
-                <a16:creationId xmlns:a16="http://schemas.microsoft.com/office/drawing/2014/main" id="{E4106E3D-49FD-4D7B-61AC-3F3B858144FA}"/>
+                <a16:creationId xmlns:a16="http://schemas.microsoft.com/office/drawing/2014/main" id="{0C692030-FF9D-3385-221E-EA8A016D2DEF}"/>
               </a:ext>
             </a:extLst>
           </p:cNvPr>
@@ -2399,7 +2404,7 @@
           <p:cNvPr id="3" name="Content Placeholder 2">
             <a:extLst>
               <a:ext uri="{FF2B5EF4-FFF2-40B4-BE49-F238E27FC236}">
-                <a16:creationId xmlns:a16="http://schemas.microsoft.com/office/drawing/2014/main" id="{FBFF848E-80B6-80FC-F51A-FAE17A56CAB1}"/>
+                <a16:creationId xmlns:a16="http://schemas.microsoft.com/office/drawing/2014/main" id="{5D7A204F-6883-BD7E-96F7-0038AA4E1A2B}"/>
               </a:ext>
             </a:extLst>
           </p:cNvPr>
@@ -2489,7 +2494,7 @@
           <p:cNvPr id="4" name="Text Placeholder 3">
             <a:extLst>
               <a:ext uri="{FF2B5EF4-FFF2-40B4-BE49-F238E27FC236}">
-                <a16:creationId xmlns:a16="http://schemas.microsoft.com/office/drawing/2014/main" id="{4651130C-1388-EE70-BD22-E56C64F3CB52}"/>
+                <a16:creationId xmlns:a16="http://schemas.microsoft.com/office/drawing/2014/main" id="{D54A1C59-E2A4-A7AC-6E18-2AEBD74C991D}"/>
               </a:ext>
             </a:extLst>
           </p:cNvPr>
@@ -2560,7 +2565,7 @@
           <p:cNvPr id="5" name="Date Placeholder 4">
             <a:extLst>
               <a:ext uri="{FF2B5EF4-FFF2-40B4-BE49-F238E27FC236}">
-                <a16:creationId xmlns:a16="http://schemas.microsoft.com/office/drawing/2014/main" id="{CD07CE7B-2269-6EF4-9702-C04F75B2A32D}"/>
+                <a16:creationId xmlns:a16="http://schemas.microsoft.com/office/drawing/2014/main" id="{6DD90D69-1014-267A-E948-7812886E1671}"/>
               </a:ext>
             </a:extLst>
           </p:cNvPr>
@@ -2576,9 +2581,9 @@
           <a:bodyPr/>
           <a:lstStyle/>
           <a:p>
-            <a:fld id="{C5C41C5D-A139-4875-9124-ED39B237D1F1}" type="datetimeFigureOut">
+            <a:fld id="{B7B4F861-4A52-47E0-AAD1-4A1B418DBEDF}" type="datetimeFigureOut">
               <a:rPr lang="en-US" smtClean="0"/>
-              <a:t>11/26/2024</a:t>
+              <a:t>12/3/2024</a:t>
             </a:fld>
             <a:endParaRPr lang="en-US"/>
           </a:p>
@@ -2589,7 +2594,7 @@
           <p:cNvPr id="6" name="Footer Placeholder 5">
             <a:extLst>
               <a:ext uri="{FF2B5EF4-FFF2-40B4-BE49-F238E27FC236}">
-                <a16:creationId xmlns:a16="http://schemas.microsoft.com/office/drawing/2014/main" id="{5EA5EEAE-27D8-00AB-29D9-9EBFA7BF14DA}"/>
+                <a16:creationId xmlns:a16="http://schemas.microsoft.com/office/drawing/2014/main" id="{3E618106-F2DD-6D41-1CCD-1AAC3364B53A}"/>
               </a:ext>
             </a:extLst>
           </p:cNvPr>
@@ -2614,7 +2619,7 @@
           <p:cNvPr id="7" name="Slide Number Placeholder 6">
             <a:extLst>
               <a:ext uri="{FF2B5EF4-FFF2-40B4-BE49-F238E27FC236}">
-                <a16:creationId xmlns:a16="http://schemas.microsoft.com/office/drawing/2014/main" id="{35737B02-C1BB-CAA7-65EF-4A6125AFAF08}"/>
+                <a16:creationId xmlns:a16="http://schemas.microsoft.com/office/drawing/2014/main" id="{D20070C9-4340-F151-A360-DA0134CE28C8}"/>
               </a:ext>
             </a:extLst>
           </p:cNvPr>
@@ -2630,7 +2635,7 @@
           <a:bodyPr/>
           <a:lstStyle/>
           <a:p>
-            <a:fld id="{6BF15B6E-8F16-45A8-A093-D9CDCC4D98F6}" type="slidenum">
+            <a:fld id="{40F0D434-AAAA-4444-BFA2-F287AD651CB8}" type="slidenum">
               <a:rPr lang="en-US" smtClean="0"/>
               <a:t>‹#›</a:t>
             </a:fld>
@@ -2641,7 +2646,7 @@
     </p:spTree>
     <p:extLst>
       <p:ext uri="{BB962C8B-B14F-4D97-AF65-F5344CB8AC3E}">
-        <p14:creationId xmlns:p14="http://schemas.microsoft.com/office/powerpoint/2010/main" val="1212032752"/>
+        <p14:creationId xmlns:p14="http://schemas.microsoft.com/office/powerpoint/2010/main" val="73693230"/>
       </p:ext>
     </p:extLst>
   </p:cSld>
@@ -2673,7 +2678,7 @@
           <p:cNvPr id="2" name="Title 1">
             <a:extLst>
               <a:ext uri="{FF2B5EF4-FFF2-40B4-BE49-F238E27FC236}">
-                <a16:creationId xmlns:a16="http://schemas.microsoft.com/office/drawing/2014/main" id="{A9B88B7D-FA4A-C884-4B12-AFCF1760E76D}"/>
+                <a16:creationId xmlns:a16="http://schemas.microsoft.com/office/drawing/2014/main" id="{CDD0C78F-6564-BE16-906C-149E8A89DB2B}"/>
               </a:ext>
             </a:extLst>
           </p:cNvPr>
@@ -2710,7 +2715,7 @@
           <p:cNvPr id="3" name="Picture Placeholder 2">
             <a:extLst>
               <a:ext uri="{FF2B5EF4-FFF2-40B4-BE49-F238E27FC236}">
-                <a16:creationId xmlns:a16="http://schemas.microsoft.com/office/drawing/2014/main" id="{CBAC671D-8CDE-315B-6A3E-CFAB3719AE82}"/>
+                <a16:creationId xmlns:a16="http://schemas.microsoft.com/office/drawing/2014/main" id="{7F3904E8-0A61-23D7-686D-F6485B6DB03C}"/>
               </a:ext>
             </a:extLst>
           </p:cNvPr>
@@ -2777,7 +2782,7 @@
           <p:cNvPr id="4" name="Text Placeholder 3">
             <a:extLst>
               <a:ext uri="{FF2B5EF4-FFF2-40B4-BE49-F238E27FC236}">
-                <a16:creationId xmlns:a16="http://schemas.microsoft.com/office/drawing/2014/main" id="{65CD67FB-68AA-526E-7E08-C24BEE2D7AE0}"/>
+                <a16:creationId xmlns:a16="http://schemas.microsoft.com/office/drawing/2014/main" id="{42AC3072-4190-5823-0670-362390923C00}"/>
               </a:ext>
             </a:extLst>
           </p:cNvPr>
@@ -2848,7 +2853,7 @@
           <p:cNvPr id="5" name="Date Placeholder 4">
             <a:extLst>
               <a:ext uri="{FF2B5EF4-FFF2-40B4-BE49-F238E27FC236}">
-                <a16:creationId xmlns:a16="http://schemas.microsoft.com/office/drawing/2014/main" id="{B1A8B579-B55C-AAD4-A05F-E0ECB6550421}"/>
+                <a16:creationId xmlns:a16="http://schemas.microsoft.com/office/drawing/2014/main" id="{3D08BB86-EFB8-DBBE-E436-23283D0B9733}"/>
               </a:ext>
             </a:extLst>
           </p:cNvPr>
@@ -2864,9 +2869,9 @@
           <a:bodyPr/>
           <a:lstStyle/>
           <a:p>
-            <a:fld id="{C5C41C5D-A139-4875-9124-ED39B237D1F1}" type="datetimeFigureOut">
+            <a:fld id="{B7B4F861-4A52-47E0-AAD1-4A1B418DBEDF}" type="datetimeFigureOut">
               <a:rPr lang="en-US" smtClean="0"/>
-              <a:t>11/26/2024</a:t>
+              <a:t>12/3/2024</a:t>
             </a:fld>
             <a:endParaRPr lang="en-US"/>
           </a:p>
@@ -2877,7 +2882,7 @@
           <p:cNvPr id="6" name="Footer Placeholder 5">
             <a:extLst>
               <a:ext uri="{FF2B5EF4-FFF2-40B4-BE49-F238E27FC236}">
-                <a16:creationId xmlns:a16="http://schemas.microsoft.com/office/drawing/2014/main" id="{F998A5C7-B160-4476-4BB4-8375D9562341}"/>
+                <a16:creationId xmlns:a16="http://schemas.microsoft.com/office/drawing/2014/main" id="{ACA10C75-8A2A-B91A-7B8F-0841F2292261}"/>
               </a:ext>
             </a:extLst>
           </p:cNvPr>
@@ -2902,7 +2907,7 @@
           <p:cNvPr id="7" name="Slide Number Placeholder 6">
             <a:extLst>
               <a:ext uri="{FF2B5EF4-FFF2-40B4-BE49-F238E27FC236}">
-                <a16:creationId xmlns:a16="http://schemas.microsoft.com/office/drawing/2014/main" id="{D0DE9DC6-8775-E6B2-2503-74C8050B64A9}"/>
+                <a16:creationId xmlns:a16="http://schemas.microsoft.com/office/drawing/2014/main" id="{61D91B11-78D6-A250-DC69-FBBE57426D70}"/>
               </a:ext>
             </a:extLst>
           </p:cNvPr>
@@ -2918,7 +2923,7 @@
           <a:bodyPr/>
           <a:lstStyle/>
           <a:p>
-            <a:fld id="{6BF15B6E-8F16-45A8-A093-D9CDCC4D98F6}" type="slidenum">
+            <a:fld id="{40F0D434-AAAA-4444-BFA2-F287AD651CB8}" type="slidenum">
               <a:rPr lang="en-US" smtClean="0"/>
               <a:t>‹#›</a:t>
             </a:fld>
@@ -2929,7 +2934,7 @@
     </p:spTree>
     <p:extLst>
       <p:ext uri="{BB962C8B-B14F-4D97-AF65-F5344CB8AC3E}">
-        <p14:creationId xmlns:p14="http://schemas.microsoft.com/office/powerpoint/2010/main" val="1396192944"/>
+        <p14:creationId xmlns:p14="http://schemas.microsoft.com/office/powerpoint/2010/main" val="1787227611"/>
       </p:ext>
     </p:extLst>
   </p:cSld>
@@ -2966,7 +2971,7 @@
           <p:cNvPr id="2" name="Title Placeholder 1">
             <a:extLst>
               <a:ext uri="{FF2B5EF4-FFF2-40B4-BE49-F238E27FC236}">
-                <a16:creationId xmlns:a16="http://schemas.microsoft.com/office/drawing/2014/main" id="{B263403A-FE1E-6631-8DF2-E0338EAEF385}"/>
+                <a16:creationId xmlns:a16="http://schemas.microsoft.com/office/drawing/2014/main" id="{F6DDDDE5-F22F-039D-9565-1FC43E21044C}"/>
               </a:ext>
             </a:extLst>
           </p:cNvPr>
@@ -3004,7 +3009,7 @@
           <p:cNvPr id="3" name="Text Placeholder 2">
             <a:extLst>
               <a:ext uri="{FF2B5EF4-FFF2-40B4-BE49-F238E27FC236}">
-                <a16:creationId xmlns:a16="http://schemas.microsoft.com/office/drawing/2014/main" id="{19CA6E53-A5CA-0B6B-5B32-FA7D710BD042}"/>
+                <a16:creationId xmlns:a16="http://schemas.microsoft.com/office/drawing/2014/main" id="{70AF1C7A-2B43-3A98-8D03-5C55B31B626E}"/>
               </a:ext>
             </a:extLst>
           </p:cNvPr>
@@ -3071,7 +3076,7 @@
           <p:cNvPr id="4" name="Date Placeholder 3">
             <a:extLst>
               <a:ext uri="{FF2B5EF4-FFF2-40B4-BE49-F238E27FC236}">
-                <a16:creationId xmlns:a16="http://schemas.microsoft.com/office/drawing/2014/main" id="{10BA1F49-D0CB-4357-9BA1-3A41AFEB4272}"/>
+                <a16:creationId xmlns:a16="http://schemas.microsoft.com/office/drawing/2014/main" id="{AD9DAB36-2416-86A2-A9A6-06019D6CD6F3}"/>
               </a:ext>
             </a:extLst>
           </p:cNvPr>
@@ -3105,9 +3110,9 @@
             </a:lvl1pPr>
           </a:lstStyle>
           <a:p>
-            <a:fld id="{C5C41C5D-A139-4875-9124-ED39B237D1F1}" type="datetimeFigureOut">
+            <a:fld id="{B7B4F861-4A52-47E0-AAD1-4A1B418DBEDF}" type="datetimeFigureOut">
               <a:rPr lang="en-US" smtClean="0"/>
-              <a:t>11/26/2024</a:t>
+              <a:t>12/3/2024</a:t>
             </a:fld>
             <a:endParaRPr lang="en-US"/>
           </a:p>
@@ -3118,7 +3123,7 @@
           <p:cNvPr id="5" name="Footer Placeholder 4">
             <a:extLst>
               <a:ext uri="{FF2B5EF4-FFF2-40B4-BE49-F238E27FC236}">
-                <a16:creationId xmlns:a16="http://schemas.microsoft.com/office/drawing/2014/main" id="{7DA3E760-084B-F09D-FB43-E3FE7F2C0A8A}"/>
+                <a16:creationId xmlns:a16="http://schemas.microsoft.com/office/drawing/2014/main" id="{508252F2-40E5-5697-0757-65EC04BD669D}"/>
               </a:ext>
             </a:extLst>
           </p:cNvPr>
@@ -3161,7 +3166,7 @@
           <p:cNvPr id="6" name="Slide Number Placeholder 5">
             <a:extLst>
               <a:ext uri="{FF2B5EF4-FFF2-40B4-BE49-F238E27FC236}">
-                <a16:creationId xmlns:a16="http://schemas.microsoft.com/office/drawing/2014/main" id="{A6E44E7B-41C8-36B5-A984-E28BF2A50A6C}"/>
+                <a16:creationId xmlns:a16="http://schemas.microsoft.com/office/drawing/2014/main" id="{49492385-0AD1-BD49-89B1-900740E6616F}"/>
               </a:ext>
             </a:extLst>
           </p:cNvPr>
@@ -3195,7 +3200,7 @@
             </a:lvl1pPr>
           </a:lstStyle>
           <a:p>
-            <a:fld id="{6BF15B6E-8F16-45A8-A093-D9CDCC4D98F6}" type="slidenum">
+            <a:fld id="{40F0D434-AAAA-4444-BFA2-F287AD651CB8}" type="slidenum">
               <a:rPr lang="en-US" smtClean="0"/>
               <a:t>‹#›</a:t>
             </a:fld>
@@ -3206,7 +3211,7 @@
     </p:spTree>
     <p:extLst>
       <p:ext uri="{BB962C8B-B14F-4D97-AF65-F5344CB8AC3E}">
-        <p14:creationId xmlns:p14="http://schemas.microsoft.com/office/powerpoint/2010/main" val="1356964437"/>
+        <p14:creationId xmlns:p14="http://schemas.microsoft.com/office/powerpoint/2010/main" val="1747533132"/>
       </p:ext>
     </p:extLst>
   </p:cSld>
@@ -3530,7 +3535,7 @@
           <p:cNvPr id="2" name="Title 1">
             <a:extLst>
               <a:ext uri="{FF2B5EF4-FFF2-40B4-BE49-F238E27FC236}">
-                <a16:creationId xmlns:a16="http://schemas.microsoft.com/office/drawing/2014/main" id="{7178F3A6-0407-9C27-1229-14B7FBD92535}"/>
+                <a16:creationId xmlns:a16="http://schemas.microsoft.com/office/drawing/2014/main" id="{B02A5381-7353-E23D-34F3-6ED9D3F393D8}"/>
               </a:ext>
             </a:extLst>
           </p:cNvPr>
@@ -3547,8 +3552,8 @@
           <a:lstStyle/>
           <a:p>
             <a:r>
-              <a:rPr lang="en-US" dirty="0"/>
-              <a:t>Document Ranking Engine Implementation</a:t>
+              <a:rPr lang="en-US"/>
+              <a:t>TF-IDF Assignment</a:t>
             </a:r>
           </a:p>
         </p:txBody>
@@ -3558,7 +3563,7 @@
           <p:cNvPr id="3" name="Subtitle 2">
             <a:extLst>
               <a:ext uri="{FF2B5EF4-FFF2-40B4-BE49-F238E27FC236}">
-                <a16:creationId xmlns:a16="http://schemas.microsoft.com/office/drawing/2014/main" id="{E8F70394-E9B4-59B1-CB5C-6120BB2DC193}"/>
+                <a16:creationId xmlns:a16="http://schemas.microsoft.com/office/drawing/2014/main" id="{0193E0FA-540A-0397-C343-6FF09A14C6E7}"/>
               </a:ext>
             </a:extLst>
           </p:cNvPr>
@@ -3576,7 +3581,7 @@
           <a:p>
             <a:r>
               <a:rPr lang="en-US"/>
-              <a:t>Documentation Overview</a:t>
+              <a:t>Understanding and Implementing TF-IDF</a:t>
             </a:r>
           </a:p>
         </p:txBody>
@@ -3584,7 +3589,191 @@
     </p:spTree>
     <p:extLst>
       <p:ext uri="{BB962C8B-B14F-4D97-AF65-F5344CB8AC3E}">
-        <p14:creationId xmlns:p14="http://schemas.microsoft.com/office/powerpoint/2010/main" val="2257264016"/>
+        <p14:creationId xmlns:p14="http://schemas.microsoft.com/office/powerpoint/2010/main" val="3795132988"/>
+      </p:ext>
+    </p:extLst>
+  </p:cSld>
+  <p:clrMapOvr>
+    <a:masterClrMapping/>
+  </p:clrMapOvr>
+</p:sld>
+</file>
+
+<file path=ppt/slides/slide10.xml><?xml version="1.0" encoding="utf-8"?>
+<p:sld xmlns:a="http://schemas.openxmlformats.org/drawingml/2006/main" xmlns:r="http://schemas.openxmlformats.org/officeDocument/2006/relationships" xmlns:p="http://schemas.openxmlformats.org/presentationml/2006/main">
+  <p:cSld>
+    <p:spTree>
+      <p:nvGrpSpPr>
+        <p:cNvPr id="1" name=""/>
+        <p:cNvGrpSpPr/>
+        <p:nvPr/>
+      </p:nvGrpSpPr>
+      <p:grpSpPr>
+        <a:xfrm>
+          <a:off x="0" y="0"/>
+          <a:ext cx="0" cy="0"/>
+          <a:chOff x="0" y="0"/>
+          <a:chExt cx="0" cy="0"/>
+        </a:xfrm>
+      </p:grpSpPr>
+      <p:sp>
+        <p:nvSpPr>
+          <p:cNvPr id="2" name="Title 1">
+            <a:extLst>
+              <a:ext uri="{FF2B5EF4-FFF2-40B4-BE49-F238E27FC236}">
+                <a16:creationId xmlns:a16="http://schemas.microsoft.com/office/drawing/2014/main" id="{322A83B8-C111-5319-C80F-899A5907C226}"/>
+              </a:ext>
+            </a:extLst>
+          </p:cNvPr>
+          <p:cNvSpPr>
+            <a:spLocks noGrp="1"/>
+          </p:cNvSpPr>
+          <p:nvPr>
+            <p:ph type="title"/>
+          </p:nvPr>
+        </p:nvSpPr>
+        <p:spPr/>
+        <p:txBody>
+          <a:bodyPr/>
+          <a:lstStyle/>
+          <a:p>
+            <a:r>
+              <a:rPr lang="en-US"/>
+              <a:t>Conclusion</a:t>
+            </a:r>
+          </a:p>
+        </p:txBody>
+      </p:sp>
+      <p:sp>
+        <p:nvSpPr>
+          <p:cNvPr id="3" name="Text Placeholder 2">
+            <a:extLst>
+              <a:ext uri="{FF2B5EF4-FFF2-40B4-BE49-F238E27FC236}">
+                <a16:creationId xmlns:a16="http://schemas.microsoft.com/office/drawing/2014/main" id="{101C55A0-D2EC-B3A4-0AD4-7B1AF0BD15A0}"/>
+              </a:ext>
+            </a:extLst>
+          </p:cNvPr>
+          <p:cNvSpPr>
+            <a:spLocks noGrp="1"/>
+          </p:cNvSpPr>
+          <p:nvPr>
+            <p:ph type="body" idx="1"/>
+          </p:nvPr>
+        </p:nvSpPr>
+        <p:spPr/>
+        <p:txBody>
+          <a:bodyPr/>
+          <a:lstStyle/>
+          <a:p>
+            <a:r>
+              <a:rPr lang="en-US" dirty="0"/>
+              <a:t>TF-IDF is a powerful tool for information retrieval.</a:t>
+            </a:r>
+          </a:p>
+          <a:p>
+            <a:r>
+              <a:rPr lang="en-US" dirty="0"/>
+              <a:t>Implementation showcases practical application in document ranking.</a:t>
+            </a:r>
+          </a:p>
+          <a:p>
+            <a:r>
+              <a:rPr lang="en-US" dirty="0"/>
+              <a:t>Enhances understanding of core concepts in retrieval systems.</a:t>
+            </a:r>
+          </a:p>
+        </p:txBody>
+      </p:sp>
+    </p:spTree>
+    <p:extLst>
+      <p:ext uri="{BB962C8B-B14F-4D97-AF65-F5344CB8AC3E}">
+        <p14:creationId xmlns:p14="http://schemas.microsoft.com/office/powerpoint/2010/main" val="1784907423"/>
+      </p:ext>
+    </p:extLst>
+  </p:cSld>
+  <p:clrMapOvr>
+    <a:masterClrMapping/>
+  </p:clrMapOvr>
+</p:sld>
+</file>
+
+<file path=ppt/slides/slide11.xml><?xml version="1.0" encoding="utf-8"?>
+<p:sld xmlns:a="http://schemas.openxmlformats.org/drawingml/2006/main" xmlns:r="http://schemas.openxmlformats.org/officeDocument/2006/relationships" xmlns:p="http://schemas.openxmlformats.org/presentationml/2006/main">
+  <p:cSld>
+    <p:spTree>
+      <p:nvGrpSpPr>
+        <p:cNvPr id="1" name=""/>
+        <p:cNvGrpSpPr/>
+        <p:nvPr/>
+      </p:nvGrpSpPr>
+      <p:grpSpPr>
+        <a:xfrm>
+          <a:off x="0" y="0"/>
+          <a:ext cx="0" cy="0"/>
+          <a:chOff x="0" y="0"/>
+          <a:chExt cx="0" cy="0"/>
+        </a:xfrm>
+      </p:grpSpPr>
+      <p:sp>
+        <p:nvSpPr>
+          <p:cNvPr id="2" name="Title 1">
+            <a:extLst>
+              <a:ext uri="{FF2B5EF4-FFF2-40B4-BE49-F238E27FC236}">
+                <a16:creationId xmlns:a16="http://schemas.microsoft.com/office/drawing/2014/main" id="{A7A23046-F5EE-8A4A-C399-555F66FEB8C8}"/>
+              </a:ext>
+            </a:extLst>
+          </p:cNvPr>
+          <p:cNvSpPr>
+            <a:spLocks noGrp="1"/>
+          </p:cNvSpPr>
+          <p:nvPr>
+            <p:ph type="ctrTitle"/>
+          </p:nvPr>
+        </p:nvSpPr>
+        <p:spPr/>
+        <p:txBody>
+          <a:bodyPr/>
+          <a:lstStyle/>
+          <a:p>
+            <a:r>
+              <a:rPr lang="en-US"/>
+              <a:t>Thank You</a:t>
+            </a:r>
+          </a:p>
+        </p:txBody>
+      </p:sp>
+      <p:sp>
+        <p:nvSpPr>
+          <p:cNvPr id="3" name="Subtitle 2">
+            <a:extLst>
+              <a:ext uri="{FF2B5EF4-FFF2-40B4-BE49-F238E27FC236}">
+                <a16:creationId xmlns:a16="http://schemas.microsoft.com/office/drawing/2014/main" id="{AB76FC1A-C6EE-920E-DEF7-70608E3F2A3E}"/>
+              </a:ext>
+            </a:extLst>
+          </p:cNvPr>
+          <p:cNvSpPr>
+            <a:spLocks noGrp="1"/>
+          </p:cNvSpPr>
+          <p:nvPr>
+            <p:ph type="subTitle" idx="1"/>
+          </p:nvPr>
+        </p:nvSpPr>
+        <p:spPr/>
+        <p:txBody>
+          <a:bodyPr/>
+          <a:lstStyle/>
+          <a:p>
+            <a:r>
+              <a:rPr lang="en-US"/>
+              <a:t>Questions and Discussions Welcome!</a:t>
+            </a:r>
+          </a:p>
+        </p:txBody>
+      </p:sp>
+    </p:spTree>
+    <p:extLst>
+      <p:ext uri="{BB962C8B-B14F-4D97-AF65-F5344CB8AC3E}">
+        <p14:creationId xmlns:p14="http://schemas.microsoft.com/office/powerpoint/2010/main" val="926310563"/>
       </p:ext>
     </p:extLst>
   </p:cSld>
@@ -3616,7 +3805,7 @@
           <p:cNvPr id="2" name="Title 1">
             <a:extLst>
               <a:ext uri="{FF2B5EF4-FFF2-40B4-BE49-F238E27FC236}">
-                <a16:creationId xmlns:a16="http://schemas.microsoft.com/office/drawing/2014/main" id="{DD79C5D4-6668-1DA6-CA79-51B9F76D3F33}"/>
+                <a16:creationId xmlns:a16="http://schemas.microsoft.com/office/drawing/2014/main" id="{68BE6CEB-40E6-16AB-17F7-A941EA34EBF8}"/>
               </a:ext>
             </a:extLst>
           </p:cNvPr>
@@ -3634,7 +3823,7 @@
           <a:p>
             <a:r>
               <a:rPr lang="en-US"/>
-              <a:t>Overview</a:t>
+              <a:t>Goal</a:t>
             </a:r>
           </a:p>
         </p:txBody>
@@ -3644,7 +3833,7 @@
           <p:cNvPr id="3" name="Text Placeholder 2">
             <a:extLst>
               <a:ext uri="{FF2B5EF4-FFF2-40B4-BE49-F238E27FC236}">
-                <a16:creationId xmlns:a16="http://schemas.microsoft.com/office/drawing/2014/main" id="{BA7B2788-B6D7-8309-B951-F6A38FB53647}"/>
+                <a16:creationId xmlns:a16="http://schemas.microsoft.com/office/drawing/2014/main" id="{9ADBBE0D-397C-FF92-D9EE-396C56ED1C69}"/>
               </a:ext>
             </a:extLst>
           </p:cNvPr>
@@ -3662,33 +3851,13 @@
           <a:p>
             <a:r>
               <a:rPr lang="en-US" dirty="0"/>
-              <a:t> Django-based search engine with two methods:</a:t>
+              <a:t>To compute Term Frequency-Inverse Document Frequency (TF-IDF) for efficient document retrieval.</a:t>
             </a:r>
           </a:p>
           <a:p>
             <a:r>
               <a:rPr lang="en-US" dirty="0"/>
-              <a:t>    Keyword Matching</a:t>
-            </a:r>
-          </a:p>
-          <a:p>
-            <a:r>
-              <a:rPr lang="en-US" dirty="0"/>
-              <a:t>    TF-IDF Scoring</a:t>
-            </a:r>
-          </a:p>
-          <a:p>
-            <a:r>
-              <a:rPr lang="en-US" dirty="0"/>
-              <a:t> Key components: </a:t>
-            </a:r>
-            <a:r>
-              <a:rPr lang="en-US" dirty="0" err="1"/>
-              <a:t>search_view</a:t>
-            </a:r>
-            <a:r>
-              <a:rPr lang="en-US" dirty="0"/>
-              <a:t> and utility functions.</a:t>
+              <a:t>Enhance understanding of core concepts in Information Retrieval.</a:t>
             </a:r>
           </a:p>
         </p:txBody>
@@ -3696,7 +3865,7 @@
     </p:spTree>
     <p:extLst>
       <p:ext uri="{BB962C8B-B14F-4D97-AF65-F5344CB8AC3E}">
-        <p14:creationId xmlns:p14="http://schemas.microsoft.com/office/powerpoint/2010/main" val="96293843"/>
+        <p14:creationId xmlns:p14="http://schemas.microsoft.com/office/powerpoint/2010/main" val="2440866612"/>
       </p:ext>
     </p:extLst>
   </p:cSld>
@@ -3728,7 +3897,7 @@
           <p:cNvPr id="2" name="Title 1">
             <a:extLst>
               <a:ext uri="{FF2B5EF4-FFF2-40B4-BE49-F238E27FC236}">
-                <a16:creationId xmlns:a16="http://schemas.microsoft.com/office/drawing/2014/main" id="{6BC176B2-5C74-760A-0264-0290BA09B7D8}"/>
+                <a16:creationId xmlns:a16="http://schemas.microsoft.com/office/drawing/2014/main" id="{3A4B7B45-D764-E736-B481-25BA5AE241A1}"/>
               </a:ext>
             </a:extLst>
           </p:cNvPr>
@@ -3746,7 +3915,7 @@
           <a:p>
             <a:r>
               <a:rPr lang="en-US"/>
-              <a:t>Code Structure</a:t>
+              <a:t>Objective</a:t>
             </a:r>
           </a:p>
         </p:txBody>
@@ -3756,7 +3925,7 @@
           <p:cNvPr id="3" name="Text Placeholder 2">
             <a:extLst>
               <a:ext uri="{FF2B5EF4-FFF2-40B4-BE49-F238E27FC236}">
-                <a16:creationId xmlns:a16="http://schemas.microsoft.com/office/drawing/2014/main" id="{F036B60D-8386-F2E0-A34B-D1DCC77B94FE}"/>
+                <a16:creationId xmlns:a16="http://schemas.microsoft.com/office/drawing/2014/main" id="{EAE122FB-667E-D09C-9A72-B7F0F2BA720D}"/>
               </a:ext>
             </a:extLst>
           </p:cNvPr>
@@ -3773,60 +3942,20 @@
           <a:lstStyle/>
           <a:p>
             <a:r>
-              <a:rPr lang="en-US" dirty="0" err="1"/>
-              <a:t>search_view</a:t>
-            </a:r>
-            <a:r>
               <a:rPr lang="en-US" dirty="0"/>
-              <a:t>: Handles queries and renders results.</a:t>
+              <a:t>Implement a Python-based TF-IDF calculator.</a:t>
             </a:r>
           </a:p>
           <a:p>
             <a:r>
               <a:rPr lang="en-US" dirty="0"/>
-              <a:t> Utility Functions:</a:t>
+              <a:t>Handle user queries effectively with error tolerance.</a:t>
             </a:r>
           </a:p>
           <a:p>
             <a:r>
               <a:rPr lang="en-US" dirty="0"/>
-              <a:t>    </a:t>
-            </a:r>
-            <a:r>
-              <a:rPr lang="en-US" dirty="0" err="1"/>
-              <a:t>read_documents</a:t>
-            </a:r>
-            <a:r>
-              <a:rPr lang="en-US" dirty="0"/>
-              <a:t>: Reads text files.</a:t>
-            </a:r>
-          </a:p>
-          <a:p>
-            <a:r>
-              <a:rPr lang="en-US" dirty="0"/>
-              <a:t>    </a:t>
-            </a:r>
-            <a:r>
-              <a:rPr lang="en-US" dirty="0" err="1"/>
-              <a:t>keyword_matching</a:t>
-            </a:r>
-            <a:r>
-              <a:rPr lang="en-US" dirty="0"/>
-              <a:t>: Ranks by keyword matches.</a:t>
-            </a:r>
-          </a:p>
-          <a:p>
-            <a:r>
-              <a:rPr lang="en-US" dirty="0"/>
-              <a:t>    </a:t>
-            </a:r>
-            <a:r>
-              <a:rPr lang="en-US" dirty="0" err="1"/>
-              <a:t>calculate_tf_idf</a:t>
-            </a:r>
-            <a:r>
-              <a:rPr lang="en-US" dirty="0"/>
-              <a:t>: Ranks by relevance using TF-IDF.</a:t>
+              <a:t>Provide accurate document rankings based on query relevance.</a:t>
             </a:r>
           </a:p>
         </p:txBody>
@@ -3834,7 +3963,7 @@
     </p:spTree>
     <p:extLst>
       <p:ext uri="{BB962C8B-B14F-4D97-AF65-F5344CB8AC3E}">
-        <p14:creationId xmlns:p14="http://schemas.microsoft.com/office/powerpoint/2010/main" val="748315297"/>
+        <p14:creationId xmlns:p14="http://schemas.microsoft.com/office/powerpoint/2010/main" val="398941210"/>
       </p:ext>
     </p:extLst>
   </p:cSld>
@@ -3866,7 +3995,7 @@
           <p:cNvPr id="2" name="Title 1">
             <a:extLst>
               <a:ext uri="{FF2B5EF4-FFF2-40B4-BE49-F238E27FC236}">
-                <a16:creationId xmlns:a16="http://schemas.microsoft.com/office/drawing/2014/main" id="{29364E58-749A-CA3F-07B7-3E0EE176675F}"/>
+                <a16:creationId xmlns:a16="http://schemas.microsoft.com/office/drawing/2014/main" id="{6017B85B-197F-6454-A9C8-98F3A32417D0}"/>
               </a:ext>
             </a:extLst>
           </p:cNvPr>
@@ -3884,7 +4013,7 @@
           <a:p>
             <a:r>
               <a:rPr lang="en-US"/>
-              <a:t>Utility Function Details</a:t>
+              <a:t>Technologies Used</a:t>
             </a:r>
           </a:p>
         </p:txBody>
@@ -3894,7 +4023,7 @@
           <p:cNvPr id="3" name="Text Placeholder 2">
             <a:extLst>
               <a:ext uri="{FF2B5EF4-FFF2-40B4-BE49-F238E27FC236}">
-                <a16:creationId xmlns:a16="http://schemas.microsoft.com/office/drawing/2014/main" id="{5801C981-F7A9-312A-B3B4-FEC883FA2CB8}"/>
+                <a16:creationId xmlns:a16="http://schemas.microsoft.com/office/drawing/2014/main" id="{69376AB6-109B-88A6-5735-B890C9F2AB3A}"/>
               </a:ext>
             </a:extLst>
           </p:cNvPr>
@@ -3912,55 +4041,19 @@
           <a:p>
             <a:r>
               <a:rPr lang="en-US" dirty="0"/>
-              <a:t> </a:t>
-            </a:r>
-            <a:r>
-              <a:rPr lang="en-US" dirty="0" err="1"/>
-              <a:t>read_documents</a:t>
-            </a:r>
+              <a:t>Python</a:t>
+            </a:r>
+          </a:p>
+          <a:p>
             <a:r>
               <a:rPr lang="en-US" dirty="0"/>
-              <a:t>: Reads text documents from a directory.</a:t>
+              <a:t>Core Data Structures (Dictionaries, Lists)</a:t>
             </a:r>
           </a:p>
           <a:p>
             <a:r>
               <a:rPr lang="en-US" dirty="0"/>
-              <a:t> </a:t>
-            </a:r>
-            <a:r>
-              <a:rPr lang="en-US" dirty="0" err="1"/>
-              <a:t>keyword_matching</a:t>
-            </a:r>
-            <a:r>
-              <a:rPr lang="en-US" dirty="0"/>
-              <a:t>: Counts keyword matches in documents.</a:t>
-            </a:r>
-          </a:p>
-          <a:p>
-            <a:r>
-              <a:rPr lang="en-US" dirty="0"/>
-              <a:t> </a:t>
-            </a:r>
-            <a:r>
-              <a:rPr lang="en-US" dirty="0" err="1"/>
-              <a:t>calculate_tf_idf</a:t>
-            </a:r>
-            <a:r>
-              <a:rPr lang="en-US" dirty="0"/>
-              <a:t>: Calculates relevance scores using:</a:t>
-            </a:r>
-          </a:p>
-          <a:p>
-            <a:r>
-              <a:rPr lang="en-US" dirty="0"/>
-              <a:t>    Term Frequency (TF)</a:t>
-            </a:r>
-          </a:p>
-          <a:p>
-            <a:r>
-              <a:rPr lang="en-US" dirty="0"/>
-              <a:t>    Inverse Document Frequency (IDF).</a:t>
+              <a:t>Algorithm Design (Custom TF-IDF Logic)</a:t>
             </a:r>
           </a:p>
         </p:txBody>
@@ -3968,7 +4061,7 @@
     </p:spTree>
     <p:extLst>
       <p:ext uri="{BB962C8B-B14F-4D97-AF65-F5344CB8AC3E}">
-        <p14:creationId xmlns:p14="http://schemas.microsoft.com/office/powerpoint/2010/main" val="2880523398"/>
+        <p14:creationId xmlns:p14="http://schemas.microsoft.com/office/powerpoint/2010/main" val="1227163459"/>
       </p:ext>
     </p:extLst>
   </p:cSld>
@@ -4000,7 +4093,7 @@
           <p:cNvPr id="2" name="Title 1">
             <a:extLst>
               <a:ext uri="{FF2B5EF4-FFF2-40B4-BE49-F238E27FC236}">
-                <a16:creationId xmlns:a16="http://schemas.microsoft.com/office/drawing/2014/main" id="{224A6502-5990-3CEC-C0E1-A251B938991C}"/>
+                <a16:creationId xmlns:a16="http://schemas.microsoft.com/office/drawing/2014/main" id="{914DA75D-F1FF-F826-50B0-805A4C87684F}"/>
               </a:ext>
             </a:extLst>
           </p:cNvPr>
@@ -4018,7 +4111,7 @@
           <a:p>
             <a:r>
               <a:rPr lang="en-US"/>
-              <a:t>Data Flow</a:t>
+              <a:t>Process</a:t>
             </a:r>
           </a:p>
         </p:txBody>
@@ -4028,7 +4121,7 @@
           <p:cNvPr id="3" name="Text Placeholder 2">
             <a:extLst>
               <a:ext uri="{FF2B5EF4-FFF2-40B4-BE49-F238E27FC236}">
-                <a16:creationId xmlns:a16="http://schemas.microsoft.com/office/drawing/2014/main" id="{95058DD7-41FA-9792-FBD1-04E711C1E23A}"/>
+                <a16:creationId xmlns:a16="http://schemas.microsoft.com/office/drawing/2014/main" id="{19B812E8-B027-9397-68EF-D21F00566506}"/>
               </a:ext>
             </a:extLst>
           </p:cNvPr>
@@ -4045,26 +4138,26 @@
           <a:lstStyle/>
           <a:p>
             <a:r>
-              <a:rPr lang="en-US"/>
-              <a:t>1. User Input: Query and search type submitted.</a:t>
-            </a:r>
-          </a:p>
-          <a:p>
-            <a:r>
-              <a:rPr lang="en-US"/>
-              <a:t>2. Document Retrieval: Reads .txt files from the directory.</a:t>
-            </a:r>
-          </a:p>
-          <a:p>
-            <a:r>
-              <a:rPr lang="en-US"/>
-              <a:t>3. Search Execution: Performs matching or computes TF-IDF.</a:t>
-            </a:r>
-          </a:p>
-          <a:p>
-            <a:r>
-              <a:rPr lang="en-US"/>
-              <a:t>4. Result Rendering: Displays rankings in a template.</a:t>
+              <a:rPr lang="en-US" dirty="0"/>
+              <a:t>Preprocess Documents: Tokenize, clean, and prepare data.</a:t>
+            </a:r>
+          </a:p>
+          <a:p>
+            <a:r>
+              <a:rPr lang="en-US" dirty="0"/>
+              <a:t>Calculate TF-IDF: Compute term frequencies and inverse document frequencies.</a:t>
+            </a:r>
+          </a:p>
+          <a:p>
+            <a:r>
+              <a:rPr lang="en-US" dirty="0"/>
+              <a:t>Handle Queries: Match user inputs with calculated scores.</a:t>
+            </a:r>
+          </a:p>
+          <a:p>
+            <a:r>
+              <a:rPr lang="en-US" dirty="0"/>
+              <a:t>Rank Results: Provide documents ranked by relevance.</a:t>
             </a:r>
           </a:p>
         </p:txBody>
@@ -4072,7 +4165,7 @@
     </p:spTree>
     <p:extLst>
       <p:ext uri="{BB962C8B-B14F-4D97-AF65-F5344CB8AC3E}">
-        <p14:creationId xmlns:p14="http://schemas.microsoft.com/office/powerpoint/2010/main" val="3094345318"/>
+        <p14:creationId xmlns:p14="http://schemas.microsoft.com/office/powerpoint/2010/main" val="1237220493"/>
       </p:ext>
     </p:extLst>
   </p:cSld>
@@ -4104,7 +4197,7 @@
           <p:cNvPr id="2" name="Title 1">
             <a:extLst>
               <a:ext uri="{FF2B5EF4-FFF2-40B4-BE49-F238E27FC236}">
-                <a16:creationId xmlns:a16="http://schemas.microsoft.com/office/drawing/2014/main" id="{EF6B970D-FE4A-18DC-88B4-4F7B02536A24}"/>
+                <a16:creationId xmlns:a16="http://schemas.microsoft.com/office/drawing/2014/main" id="{6287EAF2-5973-FA42-82AE-80360AF0690E}"/>
               </a:ext>
             </a:extLst>
           </p:cNvPr>
@@ -4122,7 +4215,7 @@
           <a:p>
             <a:r>
               <a:rPr lang="en-US"/>
-              <a:t>Dependencies</a:t>
+              <a:t>Understanding TF-IDF</a:t>
             </a:r>
           </a:p>
         </p:txBody>
@@ -4132,7 +4225,7 @@
           <p:cNvPr id="3" name="Text Placeholder 2">
             <a:extLst>
               <a:ext uri="{FF2B5EF4-FFF2-40B4-BE49-F238E27FC236}">
-                <a16:creationId xmlns:a16="http://schemas.microsoft.com/office/drawing/2014/main" id="{76730C78-6774-B872-FF09-3AEE21CE588B}"/>
+                <a16:creationId xmlns:a16="http://schemas.microsoft.com/office/drawing/2014/main" id="{A57AAB74-8EC9-8A2E-A0FC-06F02838C3AB}"/>
               </a:ext>
             </a:extLst>
           </p:cNvPr>
@@ -4150,33 +4243,19 @@
           <a:p>
             <a:r>
               <a:rPr lang="en-US" dirty="0"/>
-              <a:t> Django Framework: Handles requests and templates.</a:t>
+              <a:t>Term Frequency (TF): Measures how often a term appears in a document.</a:t>
             </a:r>
           </a:p>
           <a:p>
             <a:r>
               <a:rPr lang="en-US" dirty="0"/>
-              <a:t> Python Libraries:</a:t>
+              <a:t>Inverse Document Frequency (IDF): Reduces importance of commonly used terms.</a:t>
             </a:r>
           </a:p>
           <a:p>
             <a:r>
               <a:rPr lang="en-US" dirty="0"/>
-              <a:t>    </a:t>
-            </a:r>
-            <a:r>
-              <a:rPr lang="en-US" dirty="0" err="1"/>
-              <a:t>os</a:t>
-            </a:r>
-            <a:r>
-              <a:rPr lang="en-US" dirty="0"/>
-              <a:t>: Manages file paths.</a:t>
-            </a:r>
-          </a:p>
-          <a:p>
-            <a:r>
-              <a:rPr lang="en-US" dirty="0"/>
-              <a:t>    math: For TF-IDF calculations.</a:t>
+              <a:t>TF-IDF Score: Combines TF and IDF to measure relevance.</a:t>
             </a:r>
           </a:p>
         </p:txBody>
@@ -4184,7 +4263,301 @@
     </p:spTree>
     <p:extLst>
       <p:ext uri="{BB962C8B-B14F-4D97-AF65-F5344CB8AC3E}">
-        <p14:creationId xmlns:p14="http://schemas.microsoft.com/office/powerpoint/2010/main" val="2565899261"/>
+        <p14:creationId xmlns:p14="http://schemas.microsoft.com/office/powerpoint/2010/main" val="3119639436"/>
+      </p:ext>
+    </p:extLst>
+  </p:cSld>
+  <p:clrMapOvr>
+    <a:masterClrMapping/>
+  </p:clrMapOvr>
+</p:sld>
+</file>
+
+<file path=ppt/slides/slide7.xml><?xml version="1.0" encoding="utf-8"?>
+<p:sld xmlns:a="http://schemas.openxmlformats.org/drawingml/2006/main" xmlns:r="http://schemas.openxmlformats.org/officeDocument/2006/relationships" xmlns:p="http://schemas.openxmlformats.org/presentationml/2006/main">
+  <p:cSld>
+    <p:spTree>
+      <p:nvGrpSpPr>
+        <p:cNvPr id="1" name=""/>
+        <p:cNvGrpSpPr/>
+        <p:nvPr/>
+      </p:nvGrpSpPr>
+      <p:grpSpPr>
+        <a:xfrm>
+          <a:off x="0" y="0"/>
+          <a:ext cx="0" cy="0"/>
+          <a:chOff x="0" y="0"/>
+          <a:chExt cx="0" cy="0"/>
+        </a:xfrm>
+      </p:grpSpPr>
+      <p:sp>
+        <p:nvSpPr>
+          <p:cNvPr id="2" name="Title 1">
+            <a:extLst>
+              <a:ext uri="{FF2B5EF4-FFF2-40B4-BE49-F238E27FC236}">
+                <a16:creationId xmlns:a16="http://schemas.microsoft.com/office/drawing/2014/main" id="{4004106F-1666-2D8E-FAB3-E0F338E4AA6F}"/>
+              </a:ext>
+            </a:extLst>
+          </p:cNvPr>
+          <p:cNvSpPr>
+            <a:spLocks noGrp="1"/>
+          </p:cNvSpPr>
+          <p:nvPr>
+            <p:ph type="title"/>
+          </p:nvPr>
+        </p:nvSpPr>
+        <p:spPr/>
+        <p:txBody>
+          <a:bodyPr/>
+          <a:lstStyle/>
+          <a:p>
+            <a:r>
+              <a:rPr lang="en-US"/>
+              <a:t>Implementation Details</a:t>
+            </a:r>
+          </a:p>
+        </p:txBody>
+      </p:sp>
+      <p:sp>
+        <p:nvSpPr>
+          <p:cNvPr id="3" name="Text Placeholder 2">
+            <a:extLst>
+              <a:ext uri="{FF2B5EF4-FFF2-40B4-BE49-F238E27FC236}">
+                <a16:creationId xmlns:a16="http://schemas.microsoft.com/office/drawing/2014/main" id="{50936782-29EF-F582-A7EA-5E9566E3C8A0}"/>
+              </a:ext>
+            </a:extLst>
+          </p:cNvPr>
+          <p:cNvSpPr>
+            <a:spLocks noGrp="1"/>
+          </p:cNvSpPr>
+          <p:nvPr>
+            <p:ph type="body" idx="1"/>
+          </p:nvPr>
+        </p:nvSpPr>
+        <p:spPr/>
+        <p:txBody>
+          <a:bodyPr/>
+          <a:lstStyle/>
+          <a:p>
+            <a:r>
+              <a:rPr lang="en-US" dirty="0"/>
+              <a:t>Input: A dictionary of documents and user queries.</a:t>
+            </a:r>
+          </a:p>
+          <a:p>
+            <a:r>
+              <a:rPr lang="en-US" dirty="0"/>
+              <a:t>Error Handling: Accounts for minor spelling mistakes in queries.</a:t>
+            </a:r>
+          </a:p>
+          <a:p>
+            <a:r>
+              <a:rPr lang="en-US" dirty="0"/>
+              <a:t>TF-IDF Calculation: Uses precise mathematical formulas.</a:t>
+            </a:r>
+          </a:p>
+        </p:txBody>
+      </p:sp>
+    </p:spTree>
+    <p:extLst>
+      <p:ext uri="{BB962C8B-B14F-4D97-AF65-F5344CB8AC3E}">
+        <p14:creationId xmlns:p14="http://schemas.microsoft.com/office/powerpoint/2010/main" val="3740335602"/>
+      </p:ext>
+    </p:extLst>
+  </p:cSld>
+  <p:clrMapOvr>
+    <a:masterClrMapping/>
+  </p:clrMapOvr>
+</p:sld>
+</file>
+
+<file path=ppt/slides/slide8.xml><?xml version="1.0" encoding="utf-8"?>
+<p:sld xmlns:a="http://schemas.openxmlformats.org/drawingml/2006/main" xmlns:r="http://schemas.openxmlformats.org/officeDocument/2006/relationships" xmlns:p="http://schemas.openxmlformats.org/presentationml/2006/main">
+  <p:cSld>
+    <p:spTree>
+      <p:nvGrpSpPr>
+        <p:cNvPr id="1" name=""/>
+        <p:cNvGrpSpPr/>
+        <p:nvPr/>
+      </p:nvGrpSpPr>
+      <p:grpSpPr>
+        <a:xfrm>
+          <a:off x="0" y="0"/>
+          <a:ext cx="0" cy="0"/>
+          <a:chOff x="0" y="0"/>
+          <a:chExt cx="0" cy="0"/>
+        </a:xfrm>
+      </p:grpSpPr>
+      <p:sp>
+        <p:nvSpPr>
+          <p:cNvPr id="2" name="Title 1">
+            <a:extLst>
+              <a:ext uri="{FF2B5EF4-FFF2-40B4-BE49-F238E27FC236}">
+                <a16:creationId xmlns:a16="http://schemas.microsoft.com/office/drawing/2014/main" id="{0BC7CEBC-AA08-444F-EA5C-B2BFCA99E782}"/>
+              </a:ext>
+            </a:extLst>
+          </p:cNvPr>
+          <p:cNvSpPr>
+            <a:spLocks noGrp="1"/>
+          </p:cNvSpPr>
+          <p:nvPr>
+            <p:ph type="title"/>
+          </p:nvPr>
+        </p:nvSpPr>
+        <p:spPr/>
+        <p:txBody>
+          <a:bodyPr/>
+          <a:lstStyle/>
+          <a:p>
+            <a:r>
+              <a:rPr lang="en-US"/>
+              <a:t>Results and Insights</a:t>
+            </a:r>
+          </a:p>
+        </p:txBody>
+      </p:sp>
+      <p:sp>
+        <p:nvSpPr>
+          <p:cNvPr id="3" name="Text Placeholder 2">
+            <a:extLst>
+              <a:ext uri="{FF2B5EF4-FFF2-40B4-BE49-F238E27FC236}">
+                <a16:creationId xmlns:a16="http://schemas.microsoft.com/office/drawing/2014/main" id="{93364814-C15F-3176-85EA-3E2D605D1880}"/>
+              </a:ext>
+            </a:extLst>
+          </p:cNvPr>
+          <p:cNvSpPr>
+            <a:spLocks noGrp="1"/>
+          </p:cNvSpPr>
+          <p:nvPr>
+            <p:ph type="body" idx="1"/>
+          </p:nvPr>
+        </p:nvSpPr>
+        <p:spPr/>
+        <p:txBody>
+          <a:bodyPr/>
+          <a:lstStyle/>
+          <a:p>
+            <a:r>
+              <a:rPr lang="en-US" dirty="0"/>
+              <a:t>Ranked documents accurately based on query relevance.</a:t>
+            </a:r>
+          </a:p>
+          <a:p>
+            <a:r>
+              <a:rPr lang="en-US" dirty="0"/>
+              <a:t>Successfully handled noisy queries with error tolerance.</a:t>
+            </a:r>
+          </a:p>
+          <a:p>
+            <a:r>
+              <a:rPr lang="en-US" dirty="0"/>
+              <a:t>Insights into document structure and term importance.</a:t>
+            </a:r>
+          </a:p>
+        </p:txBody>
+      </p:sp>
+    </p:spTree>
+    <p:extLst>
+      <p:ext uri="{BB962C8B-B14F-4D97-AF65-F5344CB8AC3E}">
+        <p14:creationId xmlns:p14="http://schemas.microsoft.com/office/powerpoint/2010/main" val="2484668385"/>
+      </p:ext>
+    </p:extLst>
+  </p:cSld>
+  <p:clrMapOvr>
+    <a:masterClrMapping/>
+  </p:clrMapOvr>
+</p:sld>
+</file>
+
+<file path=ppt/slides/slide9.xml><?xml version="1.0" encoding="utf-8"?>
+<p:sld xmlns:a="http://schemas.openxmlformats.org/drawingml/2006/main" xmlns:r="http://schemas.openxmlformats.org/officeDocument/2006/relationships" xmlns:p="http://schemas.openxmlformats.org/presentationml/2006/main">
+  <p:cSld>
+    <p:spTree>
+      <p:nvGrpSpPr>
+        <p:cNvPr id="1" name=""/>
+        <p:cNvGrpSpPr/>
+        <p:nvPr/>
+      </p:nvGrpSpPr>
+      <p:grpSpPr>
+        <a:xfrm>
+          <a:off x="0" y="0"/>
+          <a:ext cx="0" cy="0"/>
+          <a:chOff x="0" y="0"/>
+          <a:chExt cx="0" cy="0"/>
+        </a:xfrm>
+      </p:grpSpPr>
+      <p:sp>
+        <p:nvSpPr>
+          <p:cNvPr id="2" name="Title 1">
+            <a:extLst>
+              <a:ext uri="{FF2B5EF4-FFF2-40B4-BE49-F238E27FC236}">
+                <a16:creationId xmlns:a16="http://schemas.microsoft.com/office/drawing/2014/main" id="{1899DD79-5B78-617A-5E37-583F971AD55A}"/>
+              </a:ext>
+            </a:extLst>
+          </p:cNvPr>
+          <p:cNvSpPr>
+            <a:spLocks noGrp="1"/>
+          </p:cNvSpPr>
+          <p:nvPr>
+            <p:ph type="title"/>
+          </p:nvPr>
+        </p:nvSpPr>
+        <p:spPr/>
+        <p:txBody>
+          <a:bodyPr/>
+          <a:lstStyle/>
+          <a:p>
+            <a:r>
+              <a:rPr lang="en-US"/>
+              <a:t>Challenges</a:t>
+            </a:r>
+          </a:p>
+        </p:txBody>
+      </p:sp>
+      <p:sp>
+        <p:nvSpPr>
+          <p:cNvPr id="3" name="Text Placeholder 2">
+            <a:extLst>
+              <a:ext uri="{FF2B5EF4-FFF2-40B4-BE49-F238E27FC236}">
+                <a16:creationId xmlns:a16="http://schemas.microsoft.com/office/drawing/2014/main" id="{868346CC-43B1-CDA6-FCD3-0D92D65DC31D}"/>
+              </a:ext>
+            </a:extLst>
+          </p:cNvPr>
+          <p:cNvSpPr>
+            <a:spLocks noGrp="1"/>
+          </p:cNvSpPr>
+          <p:nvPr>
+            <p:ph type="body" idx="1"/>
+          </p:nvPr>
+        </p:nvSpPr>
+        <p:spPr/>
+        <p:txBody>
+          <a:bodyPr/>
+          <a:lstStyle/>
+          <a:p>
+            <a:r>
+              <a:rPr lang="en-US" dirty="0"/>
+              <a:t>Handling spelling errors and variations in queries.</a:t>
+            </a:r>
+          </a:p>
+          <a:p>
+            <a:r>
+              <a:rPr lang="en-US" dirty="0"/>
+              <a:t>Designing an efficient TF-IDF computation model.</a:t>
+            </a:r>
+          </a:p>
+          <a:p>
+            <a:r>
+              <a:rPr lang="en-US" dirty="0"/>
+              <a:t>Managing large-scale document data.</a:t>
+            </a:r>
+          </a:p>
+        </p:txBody>
+      </p:sp>
+    </p:spTree>
+    <p:extLst>
+      <p:ext uri="{BB962C8B-B14F-4D97-AF65-F5344CB8AC3E}">
+        <p14:creationId xmlns:p14="http://schemas.microsoft.com/office/powerpoint/2010/main" val="2530148266"/>
       </p:ext>
     </p:extLst>
   </p:cSld>
